--- a/Bayesian COVID Hospitalizations_LW.pptx
+++ b/Bayesian COVID Hospitalizations_LW.pptx
@@ -132,6 +132,7 @@
 <file path=ppt/authors.xml><?xml version="1.0" encoding="utf-8"?>
 <p188:authorLst xmlns:a="http://schemas.openxmlformats.org/drawingml/2006/main" xmlns:r="http://schemas.openxmlformats.org/officeDocument/2006/relationships" xmlns:p188="http://schemas.microsoft.com/office/powerpoint/2018/8/main">
   <p188:author id="{74906A6B-110F-D067-7BFC-521FF3E147DB}" name="Luke Wilsen" initials="LW" userId="S::lwilsen@umass.edu::bcce7b85-2946-40bd-a49c-4b42c07c9900" providerId="AD"/>
+  <p188:author id="{DEA54485-948C-FC61-3ADC-E53DD8E0A3FD}" name="Alexander Ruse" initials="AR" userId="4a02e3a85d78645e" providerId="Windows Live"/>
 </p188:authorLst>
 </file>
 
@@ -164,6 +165,280 @@
       </a:p>
     </p188:txBody>
   </p188:cm>
+  <p188:cm id="{A354AF76-F7B7-C142-B799-E53B447CE482}" authorId="{74906A6B-110F-D067-7BFC-521FF3E147DB}" status="resolved" created="2024-12-03T16:51:50.611" complete="100000">
+    <ac:txMkLst xmlns:ac="http://schemas.microsoft.com/office/drawing/2013/main/command">
+      <pc:docMk xmlns:pc="http://schemas.microsoft.com/office/powerpoint/2013/main/command"/>
+      <pc:sldMk xmlns:pc="http://schemas.microsoft.com/office/powerpoint/2013/main/command" cId="0" sldId="256"/>
+      <ac:spMk id="50" creationId="{00000000-0000-0000-0000-000000000000}"/>
+      <ac:txMk cp="58" len="322">
+        <ac:context len="485" hash="4221436145"/>
+      </ac:txMk>
+    </ac:txMkLst>
+    <p188:pos x="15025949" y="5293895"/>
+    <p188:txBody>
+      <a:bodyPr/>
+      <a:lstStyle/>
+      <a:p>
+        <a:r>
+          <a:rPr lang="en-US"/>
+          <a:t>We selected priors to balance interpretability and flexibility in our regression model. 
+, reflecting moderate uncertainty and accommodating small to moderate predictor effects with occasional larger ones.
+representing baseline log-odds of hospitalization,
+0 (baseline odds ~50%) 
+to capture broader variability in baseline probabilities. 
+This heavy-tailed prior accommodates extreme group-level variability while remaining robust to outliers, ensuring model stability and interpretability.</a:t>
+        </a:r>
+      </a:p>
+    </p188:txBody>
+  </p188:cm>
+  <p188:cm id="{4AC287C7-097F-C34A-888F-3FA81F10F5FB}" authorId="{74906A6B-110F-D067-7BFC-521FF3E147DB}" created="2024-12-03T16:52:12.878">
+    <ac:deMkLst xmlns:ac="http://schemas.microsoft.com/office/drawing/2013/main/command">
+      <pc:docMk xmlns:pc="http://schemas.microsoft.com/office/powerpoint/2013/main/command"/>
+      <pc:sldMk xmlns:pc="http://schemas.microsoft.com/office/powerpoint/2013/main/command" cId="0" sldId="256"/>
+      <ac:picMk id="30" creationId="{3968AFF1-F807-B4BD-4D77-E56E190F78D1}"/>
+    </ac:deMkLst>
+    <p188:txBody>
+      <a:bodyPr/>
+      <a:lstStyle/>
+      <a:p>
+        <a:r>
+          <a:rPr lang="en-US"/>
+          <a:t>Need to include last row of symptomatic section (bottom)</a:t>
+        </a:r>
+      </a:p>
+    </p188:txBody>
+  </p188:cm>
+  <p188:cm id="{47DCD415-87D7-8543-8A7E-7D0052F0EBFA}" authorId="{74906A6B-110F-D067-7BFC-521FF3E147DB}" status="resolved" created="2024-12-03T16:59:54.833" complete="100000">
+    <ac:txMkLst xmlns:ac="http://schemas.microsoft.com/office/drawing/2013/main/command">
+      <pc:docMk xmlns:pc="http://schemas.microsoft.com/office/powerpoint/2013/main/command"/>
+      <pc:sldMk xmlns:pc="http://schemas.microsoft.com/office/powerpoint/2013/main/command" cId="0" sldId="256"/>
+      <ac:spMk id="12" creationId="{00000000-0000-0000-0000-000000000000}"/>
+      <ac:txMk cp="0" len="172">
+        <ac:context len="272" hash="949705703"/>
+      </ac:txMk>
+    </ac:txMkLst>
+    <p188:pos x="14887960" y="840586"/>
+    <p188:txBody>
+      <a:bodyPr/>
+      <a:lstStyle/>
+      <a:p>
+        <a:r>
+          <a:rPr lang="en-US"/>
+          <a:t>Base model vs hierarchical model: The hierarchical model is preferred since it captures the non-linear relationship between age and hospitalization more effectively. accounts for state-level variability, improving its ability to generalize. 
+Using LOO, we compared the predictive performance of a baseline model  and a hierarchical model. 
+The hierarchical model's ability to account for state-level variability and non-linear effects, such as age group, explains its superior performance. These results support the use of the hierarchical model for predicting hospitalization risk and capturing complex patterns in the data.
+From the conditional effects, the hierarchical model shows less pronounced differences in hospitalization risk across racial groups, suggesting that incorporating state-level variability decreases the effect of race.
+</a:t>
+        </a:r>
+      </a:p>
+    </p188:txBody>
+  </p188:cm>
+  <p188:cm id="{3374288E-4A2B-6842-BCFF-01516A549761}" authorId="{74906A6B-110F-D067-7BFC-521FF3E147DB}" created="2024-12-03T17:10:29.511">
+    <ac:deMkLst xmlns:ac="http://schemas.microsoft.com/office/drawing/2013/main/command">
+      <pc:docMk xmlns:pc="http://schemas.microsoft.com/office/powerpoint/2013/main/command"/>
+      <pc:sldMk xmlns:pc="http://schemas.microsoft.com/office/powerpoint/2013/main/command" cId="0" sldId="256"/>
+      <ac:picMk id="58" creationId="{5B0F9A5A-602F-0862-F00F-F1E573F0618F}"/>
+    </ac:deMkLst>
+    <p188:txBody>
+      <a:bodyPr/>
+      <a:lstStyle/>
+      <a:p>
+        <a:r>
+          <a:rPr lang="en-US"/>
+          <a:t>Complete model definition</a:t>
+        </a:r>
+      </a:p>
+    </p188:txBody>
+  </p188:cm>
+  <p188:cm id="{D76E18BE-3337-C446-BE97-ED0BBBD484DE}" authorId="{74906A6B-110F-D067-7BFC-521FF3E147DB}" created="2024-12-03T17:10:44.078">
+    <ac:deMkLst xmlns:ac="http://schemas.microsoft.com/office/drawing/2013/main/command">
+      <pc:docMk xmlns:pc="http://schemas.microsoft.com/office/powerpoint/2013/main/command"/>
+      <pc:sldMk xmlns:pc="http://schemas.microsoft.com/office/powerpoint/2013/main/command" cId="0" sldId="256"/>
+      <ac:picMk id="52" creationId="{51963A4C-0FE3-0643-6EEB-95596B889E97}"/>
+    </ac:deMkLst>
+    <p188:txBody>
+      <a:bodyPr/>
+      <a:lstStyle/>
+      <a:p>
+        <a:r>
+          <a:rPr lang="en-US"/>
+          <a:t>Complete model definition</a:t>
+        </a:r>
+      </a:p>
+    </p188:txBody>
+  </p188:cm>
+  <p188:cm id="{BC131E90-891A-7843-A1F5-8D78F40473A0}" authorId="{74906A6B-110F-D067-7BFC-521FF3E147DB}" created="2024-12-03T17:12:07.513">
+    <ac:deMkLst xmlns:ac="http://schemas.microsoft.com/office/drawing/2013/main/command">
+      <pc:docMk xmlns:pc="http://schemas.microsoft.com/office/powerpoint/2013/main/command"/>
+      <pc:sldMk xmlns:pc="http://schemas.microsoft.com/office/powerpoint/2013/main/command" cId="0" sldId="256"/>
+      <ac:picMk id="40" creationId="{561C5FE4-9249-2A41-BA37-044223A59553}"/>
+    </ac:deMkLst>
+    <p188:txBody>
+      <a:bodyPr/>
+      <a:lstStyle/>
+      <a:p>
+        <a:r>
+          <a:rPr lang="en-US"/>
+          <a:t>Use pi not p</a:t>
+        </a:r>
+      </a:p>
+    </p188:txBody>
+  </p188:cm>
+  <p188:cm id="{3B8925F3-09E5-B54D-BDE9-B3E822DF1C91}" authorId="{74906A6B-110F-D067-7BFC-521FF3E147DB}" created="2024-12-03T17:12:58.962">
+    <ac:deMkLst xmlns:ac="http://schemas.microsoft.com/office/drawing/2013/main/command">
+      <pc:docMk xmlns:pc="http://schemas.microsoft.com/office/powerpoint/2013/main/command"/>
+      <pc:sldMk xmlns:pc="http://schemas.microsoft.com/office/powerpoint/2013/main/command" cId="0" sldId="256"/>
+      <ac:picMk id="46" creationId="{347A5C05-6D0D-4C91-4004-8A9B47776A65}"/>
+    </ac:deMkLst>
+    <p188:replyLst>
+      <p188:reply id="{1D96D1B2-6308-4049-89C4-15EF9486E0CF}" authorId="{74906A6B-110F-D067-7BFC-521FF3E147DB}" created="2024-12-03T17:13:22.048">
+        <p188:txBody>
+          <a:bodyPr/>
+          <a:lstStyle/>
+          <a:p>
+            <a:r>
+              <a:rPr lang="en-US"/>
+              <a:t>Don’t have to include definition of logic</a:t>
+            </a:r>
+          </a:p>
+        </p188:txBody>
+      </p188:reply>
+    </p188:replyLst>
+    <p188:txBody>
+      <a:bodyPr/>
+      <a:lstStyle/>
+      <a:p>
+        <a:r>
+          <a:rPr lang="en-US"/>
+          <a:t>Indicate that j[I] refers to the state</a:t>
+        </a:r>
+      </a:p>
+    </p188:txBody>
+  </p188:cm>
+  <p188:cm id="{46F6AFB6-5C0F-CD4A-854B-DB7DB899A10A}" authorId="{74906A6B-110F-D067-7BFC-521FF3E147DB}" created="2024-12-03T17:18:42.135">
+    <ac:txMkLst xmlns:ac="http://schemas.microsoft.com/office/drawing/2013/main/command">
+      <pc:docMk xmlns:pc="http://schemas.microsoft.com/office/powerpoint/2013/main/command"/>
+      <pc:sldMk xmlns:pc="http://schemas.microsoft.com/office/powerpoint/2013/main/command" cId="0" sldId="256"/>
+      <ac:spMk id="38" creationId="{00000000-0000-0000-0000-000000000000}"/>
+      <ac:txMk cp="0" len="11">
+        <ac:context len="28" hash="2967713117"/>
+      </ac:txMk>
+    </ac:txMkLst>
+    <p188:pos x="6275825" y="752881"/>
+    <p188:txBody>
+      <a:bodyPr/>
+      <a:lstStyle/>
+      <a:p>
+        <a:r>
+          <a:rPr lang="en-US"/>
+          <a:t>The fact that the imputed-data based models perform poorly when combined could indicate that our model is very sensitive to the specific dataset.</a:t>
+        </a:r>
+      </a:p>
+    </p188:txBody>
+  </p188:cm>
+  <p188:cm id="{62E208E8-9F33-A448-8C5F-1D3167C7BD04}" authorId="{74906A6B-110F-D067-7BFC-521FF3E147DB}" created="2024-12-03T17:24:00.346">
+    <ac:deMkLst xmlns:ac="http://schemas.microsoft.com/office/drawing/2013/main/command">
+      <pc:docMk xmlns:pc="http://schemas.microsoft.com/office/powerpoint/2013/main/command"/>
+      <pc:sldMk xmlns:pc="http://schemas.microsoft.com/office/powerpoint/2013/main/command" cId="0" sldId="256"/>
+      <ac:picMk id="32" creationId="{C715AAD6-0D02-3C73-A4E1-3480F5915B5D}"/>
+    </ac:deMkLst>
+    <p188:txBody>
+      <a:bodyPr/>
+      <a:lstStyle/>
+      <a:p>
+        <a:r>
+          <a:rPr lang="en-US"/>
+          <a:t>Plot probabilities of hospitalization, instead of (y/n) average predictio, and include credible interval information within the same map (google it)</a:t>
+        </a:r>
+      </a:p>
+    </p188:txBody>
+  </p188:cm>
+  <p188:cm id="{9A6C33BC-DC04-264A-83AE-4BB8FEF879DF}" authorId="{74906A6B-110F-D067-7BFC-521FF3E147DB}" created="2024-12-03T17:26:05.276">
+    <ac:deMkLst xmlns:ac="http://schemas.microsoft.com/office/drawing/2013/main/command">
+      <pc:docMk xmlns:pc="http://schemas.microsoft.com/office/powerpoint/2013/main/command"/>
+      <pc:sldMk xmlns:pc="http://schemas.microsoft.com/office/powerpoint/2013/main/command" cId="0" sldId="256"/>
+      <ac:picMk id="17" creationId="{B26C3502-6580-E651-C75B-1E989EA9C35C}"/>
+    </ac:deMkLst>
+    <p188:txBody>
+      <a:bodyPr/>
+      <a:lstStyle/>
+      <a:p>
+        <a:r>
+          <a:rPr lang="en-US"/>
+          <a:t>Plot of credible intervals instead.</a:t>
+        </a:r>
+      </a:p>
+    </p188:txBody>
+  </p188:cm>
+  <p188:cm id="{1FC455E3-19E6-154B-B4CF-03796D75CFC2}" authorId="{74906A6B-110F-D067-7BFC-521FF3E147DB}" created="2024-12-03T17:27:06.939">
+    <ac:txMkLst xmlns:ac="http://schemas.microsoft.com/office/drawing/2013/main/command">
+      <pc:docMk xmlns:pc="http://schemas.microsoft.com/office/powerpoint/2013/main/command"/>
+      <pc:sldMk xmlns:pc="http://schemas.microsoft.com/office/powerpoint/2013/main/command" cId="0" sldId="256"/>
+      <ac:spMk id="10" creationId="{025B411F-C30D-3458-EC06-AD109C00A7A3}"/>
+      <ac:txMk cp="75" len="39">
+        <ac:context len="115" hash="3813382397"/>
+      </ac:txMk>
+    </ac:txMkLst>
+    <p188:pos x="6895310" y="896434"/>
+    <p188:replyLst>
+      <p188:reply id="{8031B262-A853-9A40-BE20-B463EE70C197}" authorId="{74906A6B-110F-D067-7BFC-521FF3E147DB}" created="2024-12-03T17:28:36.584">
+        <p188:txBody>
+          <a:bodyPr/>
+          <a:lstStyle/>
+          <a:p>
+            <a:r>
+              <a:rPr lang="en-US"/>
+              <a:t>Summarize variables, summarize missingness</a:t>
+            </a:r>
+          </a:p>
+        </p188:txBody>
+      </p188:reply>
+    </p188:replyLst>
+    <p188:txBody>
+      <a:bodyPr/>
+      <a:lstStyle/>
+      <a:p>
+        <a:r>
+          <a:rPr lang="en-US"/>
+          <a:t>Might be too much text, find a way to display same info in a plot?</a:t>
+        </a:r>
+      </a:p>
+    </p188:txBody>
+  </p188:cm>
+  <p188:cm id="{08536C51-C43D-F544-9EEB-89A4B0C0D11D}" authorId="{74906A6B-110F-D067-7BFC-521FF3E147DB}" created="2024-12-03T17:30:02.171">
+    <ac:deMkLst xmlns:ac="http://schemas.microsoft.com/office/drawing/2013/main/command">
+      <pc:docMk xmlns:pc="http://schemas.microsoft.com/office/powerpoint/2013/main/command"/>
+      <pc:sldMk xmlns:pc="http://schemas.microsoft.com/office/powerpoint/2013/main/command" cId="0" sldId="256"/>
+      <ac:picMk id="32" creationId="{C715AAD6-0D02-3C73-A4E1-3480F5915B5D}"/>
+    </ac:deMkLst>
+    <p188:txBody>
+      <a:bodyPr/>
+      <a:lstStyle/>
+      <a:p>
+        <a:r>
+          <a:rPr lang="en-US"/>
+          <a:t>Take a look into how probs are actually being computed</a:t>
+        </a:r>
+      </a:p>
+    </p188:txBody>
+  </p188:cm>
+  <p188:cm id="{FE90AB4D-2C6A-DE4A-969E-7D2AD980EEA9}" authorId="{74906A6B-110F-D067-7BFC-521FF3E147DB}" created="2024-12-03T17:32:27.055">
+    <ac:deMkLst xmlns:ac="http://schemas.microsoft.com/office/drawing/2013/main/command">
+      <pc:docMk xmlns:pc="http://schemas.microsoft.com/office/powerpoint/2013/main/command"/>
+      <pc:sldMk xmlns:pc="http://schemas.microsoft.com/office/powerpoint/2013/main/command" cId="0" sldId="256"/>
+      <ac:spMk id="27" creationId="{3F276D0A-010E-4E5B-46A1-A4E9C4C43CDC}"/>
+    </ac:deMkLst>
+    <p188:txBody>
+      <a:bodyPr/>
+      <a:lstStyle/>
+      <a:p>
+        <a:r>
+          <a:rPr lang="en-US"/>
+          <a:t>Write out probs in notation form, to specify what is being displayed in the plot</a:t>
+        </a:r>
+      </a:p>
+    </p188:txBody>
+  </p188:cm>
 </p188:cmLst>
 </file>
 
@@ -250,7 +525,7 @@
             <a:fld id="{311E81F8-90E2-2945-9ED7-A6A90A37CF21}" type="datetimeFigureOut">
               <a:rPr lang="en-US" smtClean="0"/>
               <a:pPr/>
-              <a:t>12/2/24</a:t>
+              <a:t>12/3/24</a:t>
             </a:fld>
             <a:endParaRPr lang="en-US"/>
           </a:p>
@@ -819,7 +1094,7 @@
             <a:fld id="{84FD1F27-616A-3542-91BB-C34E14AE38CD}" type="datetimeFigureOut">
               <a:rPr lang="en-US" smtClean="0"/>
               <a:pPr/>
-              <a:t>12/2/24</a:t>
+              <a:t>12/3/24</a:t>
             </a:fld>
             <a:endParaRPr lang="en-US"/>
           </a:p>
@@ -991,7 +1266,7 @@
             <a:fld id="{84FD1F27-616A-3542-91BB-C34E14AE38CD}" type="datetimeFigureOut">
               <a:rPr lang="en-US" smtClean="0"/>
               <a:pPr/>
-              <a:t>12/2/24</a:t>
+              <a:t>12/3/24</a:t>
             </a:fld>
             <a:endParaRPr lang="en-US"/>
           </a:p>
@@ -1857,7 +2132,7 @@
             <a:fld id="{84FD1F27-616A-3542-91BB-C34E14AE38CD}" type="datetimeFigureOut">
               <a:rPr lang="en-US" smtClean="0"/>
               <a:pPr/>
-              <a:t>12/2/24</a:t>
+              <a:t>12/3/24</a:t>
             </a:fld>
             <a:endParaRPr lang="en-US"/>
           </a:p>
@@ -2281,7 +2556,7 @@
             <a:fld id="{84FD1F27-616A-3542-91BB-C34E14AE38CD}" type="datetimeFigureOut">
               <a:rPr lang="en-US" smtClean="0"/>
               <a:pPr/>
-              <a:t>12/2/24</a:t>
+              <a:t>12/3/24</a:t>
             </a:fld>
             <a:endParaRPr lang="en-US"/>
           </a:p>
@@ -2401,7 +2676,7 @@
             <a:fld id="{84FD1F27-616A-3542-91BB-C34E14AE38CD}" type="datetimeFigureOut">
               <a:rPr lang="en-US" smtClean="0"/>
               <a:pPr/>
-              <a:t>12/2/24</a:t>
+              <a:t>12/3/24</a:t>
             </a:fld>
             <a:endParaRPr lang="en-US"/>
           </a:p>
@@ -2498,7 +2773,7 @@
             <a:fld id="{84FD1F27-616A-3542-91BB-C34E14AE38CD}" type="datetimeFigureOut">
               <a:rPr lang="en-US" smtClean="0"/>
               <a:pPr/>
-              <a:t>12/2/24</a:t>
+              <a:t>12/3/24</a:t>
             </a:fld>
             <a:endParaRPr lang="en-US"/>
           </a:p>
@@ -2777,7 +3052,7 @@
             <a:fld id="{84FD1F27-616A-3542-91BB-C34E14AE38CD}" type="datetimeFigureOut">
               <a:rPr lang="en-US" smtClean="0"/>
               <a:pPr/>
-              <a:t>12/2/24</a:t>
+              <a:t>12/3/24</a:t>
             </a:fld>
             <a:endParaRPr lang="en-US"/>
           </a:p>
@@ -3036,7 +3311,7 @@
             <a:fld id="{84FD1F27-616A-3542-91BB-C34E14AE38CD}" type="datetimeFigureOut">
               <a:rPr lang="en-US" smtClean="0"/>
               <a:pPr/>
-              <a:t>12/2/24</a:t>
+              <a:t>12/3/24</a:t>
             </a:fld>
             <a:endParaRPr lang="en-US"/>
           </a:p>
@@ -3247,7 +3522,7 @@
             <a:fld id="{84FD1F27-616A-3542-91BB-C34E14AE38CD}" type="datetimeFigureOut">
               <a:rPr lang="en-US" smtClean="0"/>
               <a:pPr/>
-              <a:t>12/2/24</a:t>
+              <a:t>12/3/24</a:t>
             </a:fld>
             <a:endParaRPr lang="en-US"/>
           </a:p>
@@ -3777,7 +4052,7 @@
             <a:fld id="{84FD1F27-616A-3542-91BB-C34E14AE38CD}" type="datetimeFigureOut">
               <a:rPr lang="en-US" smtClean="0"/>
               <a:pPr/>
-              <a:t>12/2/24</a:t>
+              <a:t>12/3/24</a:t>
             </a:fld>
             <a:endParaRPr lang="en-US"/>
           </a:p>
@@ -4951,8 +5226,8 @@
         </p:nvSpPr>
         <p:spPr>
           <a:xfrm>
-            <a:off x="2236815" y="23396435"/>
-            <a:ext cx="14838218" cy="6857828"/>
+            <a:off x="2236815" y="20780360"/>
+            <a:ext cx="14838218" cy="9077565"/>
           </a:xfrm>
         </p:spPr>
         <p:txBody>
@@ -4966,7 +5241,7 @@
               <a:buChar char="•"/>
             </a:pPr>
             <a:r>
-              <a:rPr lang="en-US" sz="3050" b="0" dirty="0">
+              <a:rPr lang="en-US" sz="3000" dirty="0">
                 <a:latin typeface="+mn-lt"/>
               </a:rPr>
               <a:t>Outcome variable:</a:t>
@@ -4977,7 +5252,7 @@
               <a:buFont typeface="Arial" panose="020B0604020202020204" pitchFamily="34" charset="0"/>
               <a:buChar char="•"/>
             </a:pPr>
-            <a:endParaRPr lang="en-US" sz="3050" b="0" dirty="0">
+            <a:endParaRPr lang="en-US" sz="3000" b="0" dirty="0">
               <a:latin typeface="+mn-lt"/>
             </a:endParaRPr>
           </a:p>
@@ -4987,7 +5262,7 @@
               <a:buChar char="•"/>
             </a:pPr>
             <a:r>
-              <a:rPr lang="en-US" sz="3050" b="0" dirty="0">
+              <a:rPr lang="en-US" sz="3000" dirty="0">
                 <a:latin typeface="+mn-lt"/>
               </a:rPr>
               <a:t>Initial predictors:</a:t>
@@ -4998,7 +5273,7 @@
               <a:buFont typeface="Arial" panose="020B0604020202020204" pitchFamily="34" charset="0"/>
               <a:buChar char="•"/>
             </a:pPr>
-            <a:endParaRPr lang="en-US" sz="3050" b="0" dirty="0">
+            <a:endParaRPr lang="en-US" sz="3000" b="0" dirty="0">
               <a:latin typeface="+mn-lt"/>
             </a:endParaRPr>
           </a:p>
@@ -5007,7 +5282,7 @@
               <a:buFont typeface="Arial" panose="020B0604020202020204" pitchFamily="34" charset="0"/>
               <a:buChar char="•"/>
             </a:pPr>
-            <a:endParaRPr lang="en-US" sz="3050" b="0" dirty="0">
+            <a:endParaRPr lang="en-US" sz="3000" b="0" dirty="0">
               <a:latin typeface="+mn-lt"/>
             </a:endParaRPr>
           </a:p>
@@ -5016,7 +5291,7 @@
               <a:buFont typeface="Arial" panose="020B0604020202020204" pitchFamily="34" charset="0"/>
               <a:buChar char="•"/>
             </a:pPr>
-            <a:endParaRPr lang="en-US" sz="3050" b="0" dirty="0">
+            <a:endParaRPr lang="en-US" sz="3000" b="0" dirty="0">
               <a:latin typeface="+mn-lt"/>
             </a:endParaRPr>
           </a:p>
@@ -5026,19 +5301,10 @@
               <a:buChar char="•"/>
             </a:pPr>
             <a:r>
-              <a:rPr lang="en-US" sz="3050" b="0" dirty="0">
+              <a:rPr lang="en-US" sz="3000" dirty="0">
                 <a:latin typeface="+mn-lt"/>
               </a:rPr>
               <a:t>Initial Model:</a:t>
-            </a:r>
-          </a:p>
-          <a:p>
-            <a:pPr marL="475794"/>
-            <a:r>
-              <a:rPr lang="en-US" sz="3050" b="0" dirty="0">
-                <a:latin typeface="+mn-lt"/>
-              </a:rPr>
-              <a:t>Model Exploration</a:t>
             </a:r>
           </a:p>
           <a:p>
@@ -5046,11 +5312,17 @@
               <a:buFont typeface="Arial" panose="020B0604020202020204" pitchFamily="34" charset="0"/>
               <a:buChar char="•"/>
             </a:pPr>
-            <a:r>
-              <a:rPr lang="en-US" sz="3050" b="0" dirty="0">
+            <a:endParaRPr lang="en-US" sz="3000" b="0" dirty="0">
+              <a:latin typeface="+mn-lt"/>
+            </a:endParaRPr>
+          </a:p>
+          <a:p>
+            <a:pPr marL="475794"/>
+            <a:r>
+              <a:rPr lang="en-US" sz="3000" dirty="0">
                 <a:latin typeface="+mn-lt"/>
               </a:rPr>
-              <a:t>Age group variable: recoded as the mean of the age group boundaries</a:t>
+              <a:t>Priors</a:t>
             </a:r>
           </a:p>
           <a:p>
@@ -5059,10 +5331,49 @@
               <a:buChar char="•"/>
             </a:pPr>
             <a:r>
-              <a:rPr lang="en-US" sz="3050" b="0" dirty="0">
+              <a:rPr lang="en-US" sz="3000" b="0" dirty="0"/>
+              <a:t>For regression coefficients, we used a normal prior with mean 0 (implying no initial change) and standard deviation 2</a:t>
+            </a:r>
+          </a:p>
+          <a:p>
+            <a:pPr marL="932994" indent="-457200">
+              <a:buFont typeface="Arial" panose="020B0604020202020204" pitchFamily="34" charset="0"/>
+              <a:buChar char="•"/>
+            </a:pPr>
+            <a:r>
+              <a:rPr lang="en-US" sz="3000" b="0" dirty="0"/>
+              <a:t>The intercept, also followed a normal prior with mean but a wider standard deviation of 5</a:t>
+            </a:r>
+          </a:p>
+          <a:p>
+            <a:pPr marL="932994" indent="-457200">
+              <a:buFont typeface="Arial" panose="020B0604020202020204" pitchFamily="34" charset="0"/>
+              <a:buChar char="•"/>
+            </a:pPr>
+            <a:r>
+              <a:rPr lang="en-US" sz="3000" b="0" dirty="0"/>
+              <a:t>For random-effect standard deviations, Student’s t prior with 3 degrees of freedom, mean 0, and scale 2.5. </a:t>
+            </a:r>
+          </a:p>
+          <a:p>
+            <a:pPr marL="475794"/>
+            <a:r>
+              <a:rPr lang="en-US" sz="3000" dirty="0">
                 <a:latin typeface="+mn-lt"/>
               </a:rPr>
-              <a:t>State: Geographical state where observation was recorded</a:t>
+              <a:t>Model Exploration</a:t>
+            </a:r>
+          </a:p>
+          <a:p>
+            <a:pPr marL="932994" indent="-457200">
+              <a:buFont typeface="Arial" panose="020B0604020202020204" pitchFamily="34" charset="0"/>
+              <a:buChar char="•"/>
+            </a:pPr>
+            <a:r>
+              <a:rPr lang="en-US" sz="3000" b="0" dirty="0">
+                <a:latin typeface="+mn-lt"/>
+              </a:rPr>
+              <a:t>We considered recoding the age group variable as the mean of the age group boundaries</a:t>
             </a:r>
           </a:p>
         </p:txBody>
@@ -5784,8 +6095,8 @@
         </p:nvSpPr>
         <p:spPr>
           <a:xfrm>
-            <a:off x="34414477" y="8150537"/>
-            <a:ext cx="14838218" cy="1032334"/>
+            <a:off x="34333523" y="18183394"/>
+            <a:ext cx="14838218" cy="2442335"/>
           </a:xfrm>
           <a:prstGeom prst="rect">
             <a:avLst/>
@@ -5802,21 +6113,48 @@
               <a:buChar char="•"/>
             </a:pPr>
             <a:r>
-              <a:rPr lang="en-US" sz="3054" dirty="0">
-                <a:latin typeface="+mj-lt"/>
-                <a:cs typeface="Times New Roman" panose="02020603050405020304" pitchFamily="18" charset="0"/>
-              </a:rPr>
-              <a:t>We used the mean to compare how well each model fit the observed data</a:t>
-            </a:r>
-          </a:p>
-          <a:p>
-            <a:pPr marL="481856"/>
-            <a:r>
               <a:rPr lang="en-US" sz="3054" b="1" dirty="0">
                 <a:latin typeface="+mj-lt"/>
                 <a:cs typeface="Times New Roman" panose="02020603050405020304" pitchFamily="18" charset="0"/>
               </a:rPr>
-              <a:t>Base Model (hospitalized(binary) ~ age group + race)</a:t>
+              <a:t>The hierarchical model outperformed the baseline model with an </a:t>
+            </a:r>
+            <a:r>
+              <a:rPr lang="en-US" sz="3054" b="1" dirty="0" err="1">
+                <a:latin typeface="+mj-lt"/>
+                <a:cs typeface="Times New Roman" panose="02020603050405020304" pitchFamily="18" charset="0"/>
+              </a:rPr>
+              <a:t>elpd</a:t>
+            </a:r>
+            <a:r>
+              <a:rPr lang="en-US" sz="3054" b="1" dirty="0">
+                <a:latin typeface="+mj-lt"/>
+                <a:cs typeface="Times New Roman" panose="02020603050405020304" pitchFamily="18" charset="0"/>
+              </a:rPr>
+              <a:t> difference of -104.9 and a standard error of 15.8, indicating significantly better predictive accuracy. </a:t>
+            </a:r>
+          </a:p>
+          <a:p>
+            <a:pPr marL="933406" indent="-451550">
+              <a:buFont typeface="Arial" pitchFamily="34" charset="0"/>
+              <a:buChar char="•"/>
+            </a:pPr>
+            <a:endParaRPr lang="en-US" sz="3054" b="1" dirty="0">
+              <a:latin typeface="+mj-lt"/>
+              <a:cs typeface="Times New Roman" panose="02020603050405020304" pitchFamily="18" charset="0"/>
+            </a:endParaRPr>
+          </a:p>
+          <a:p>
+            <a:pPr marL="933406" indent="-451550">
+              <a:buFont typeface="Arial" pitchFamily="34" charset="0"/>
+              <a:buChar char="•"/>
+            </a:pPr>
+            <a:r>
+              <a:rPr lang="en-US" sz="3054" b="1" dirty="0">
+                <a:latin typeface="+mj-lt"/>
+                <a:cs typeface="Times New Roman" panose="02020603050405020304" pitchFamily="18" charset="0"/>
+              </a:rPr>
+              <a:t>Conditional effects show decreased influence/effect of race from base model to hierarchical model</a:t>
             </a:r>
           </a:p>
         </p:txBody>
@@ -6203,7 +6541,7 @@
         </p:nvSpPr>
         <p:spPr>
           <a:xfrm>
-            <a:off x="3207327" y="22294148"/>
+            <a:off x="3207327" y="19699762"/>
             <a:ext cx="12928910" cy="528816"/>
           </a:xfrm>
           <a:prstGeom prst="rect">
@@ -6265,8 +6603,8 @@
         </p:nvSpPr>
         <p:spPr>
           <a:xfrm>
-            <a:off x="2236815" y="13199576"/>
-            <a:ext cx="14838218" cy="8824700"/>
+            <a:off x="2236815" y="13199577"/>
+            <a:ext cx="14838218" cy="1108750"/>
           </a:xfrm>
           <a:prstGeom prst="rect">
             <a:avLst/>
@@ -6430,445 +6768,16 @@
               <a:buFont typeface="Arial" pitchFamily="34" charset="0"/>
               <a:buChar char="•"/>
             </a:pPr>
-            <a:endParaRPr lang="en-US" sz="3054" b="0" dirty="0">
-              <a:latin typeface="+mn-lt"/>
-            </a:endParaRPr>
-          </a:p>
-          <a:p>
-            <a:pPr marL="932994" indent="-457200">
-              <a:buFont typeface="Arial" pitchFamily="34" charset="0"/>
-              <a:buChar char="•"/>
-            </a:pPr>
             <a:r>
               <a:rPr lang="en-US" sz="3054" b="0" dirty="0">
                 <a:latin typeface="+mn-lt"/>
               </a:rPr>
               <a:t>Data structure (individual case level):</a:t>
             </a:r>
-          </a:p>
-          <a:p>
-            <a:pPr marL="475794"/>
-            <a:r>
-              <a:rPr lang="en-US" sz="1800" b="0" dirty="0">
-                <a:latin typeface="Courier New" panose="02070309020205020404" pitchFamily="49" charset="0"/>
-                <a:cs typeface="Courier New" panose="02070309020205020404" pitchFamily="49" charset="0"/>
-              </a:rPr>
-              <a:t>'</a:t>
-            </a:r>
-            <a:r>
-              <a:rPr lang="en-US" sz="1800" b="0" dirty="0" err="1">
-                <a:latin typeface="Courier New" panose="02070309020205020404" pitchFamily="49" charset="0"/>
-                <a:cs typeface="Courier New" panose="02070309020205020404" pitchFamily="49" charset="0"/>
-              </a:rPr>
-              <a:t>data.frame</a:t>
-            </a:r>
-            <a:r>
-              <a:rPr lang="en-US" sz="1800" b="0" dirty="0">
-                <a:latin typeface="Courier New" panose="02070309020205020404" pitchFamily="49" charset="0"/>
-                <a:cs typeface="Courier New" panose="02070309020205020404" pitchFamily="49" charset="0"/>
-              </a:rPr>
-              <a:t>':	100000 obs. of  19 variables:</a:t>
-            </a:r>
-          </a:p>
-          <a:p>
-            <a:pPr marL="475794"/>
-            <a:r>
-              <a:rPr lang="en-US" sz="1800" b="0" dirty="0">
-                <a:latin typeface="Courier New" panose="02070309020205020404" pitchFamily="49" charset="0"/>
-                <a:cs typeface="Courier New" panose="02070309020205020404" pitchFamily="49" charset="0"/>
-              </a:rPr>
-              <a:t> $ </a:t>
-            </a:r>
-            <a:r>
-              <a:rPr lang="en-US" sz="1800" b="0" dirty="0" err="1">
-                <a:latin typeface="Courier New" panose="02070309020205020404" pitchFamily="49" charset="0"/>
-                <a:cs typeface="Courier New" panose="02070309020205020404" pitchFamily="49" charset="0"/>
-              </a:rPr>
-              <a:t>case_month</a:t>
-            </a:r>
-            <a:r>
-              <a:rPr lang="en-US" sz="1800" b="0" dirty="0">
-                <a:latin typeface="Courier New" panose="02070309020205020404" pitchFamily="49" charset="0"/>
-                <a:cs typeface="Courier New" panose="02070309020205020404" pitchFamily="49" charset="0"/>
-              </a:rPr>
-              <a:t>              : chr  "2021-10" "2022-02" "2020-09" "2021-10" ...</a:t>
-            </a:r>
-          </a:p>
-          <a:p>
-            <a:pPr marL="475794"/>
-            <a:r>
-              <a:rPr lang="en-US" sz="1800" b="0" dirty="0">
-                <a:latin typeface="Courier New" panose="02070309020205020404" pitchFamily="49" charset="0"/>
-                <a:cs typeface="Courier New" panose="02070309020205020404" pitchFamily="49" charset="0"/>
-              </a:rPr>
-              <a:t> $ </a:t>
-            </a:r>
-            <a:r>
-              <a:rPr lang="en-US" sz="1800" b="0" dirty="0" err="1">
-                <a:latin typeface="Courier New" panose="02070309020205020404" pitchFamily="49" charset="0"/>
-                <a:cs typeface="Courier New" panose="02070309020205020404" pitchFamily="49" charset="0"/>
-              </a:rPr>
-              <a:t>res_state</a:t>
-            </a:r>
-            <a:r>
-              <a:rPr lang="en-US" sz="1800" b="0" dirty="0">
-                <a:latin typeface="Courier New" panose="02070309020205020404" pitchFamily="49" charset="0"/>
-                <a:cs typeface="Courier New" panose="02070309020205020404" pitchFamily="49" charset="0"/>
-              </a:rPr>
-              <a:t>               : chr  "NC" "GA" "MO" "MI" ...</a:t>
-            </a:r>
-          </a:p>
-          <a:p>
-            <a:pPr marL="475794"/>
-            <a:r>
-              <a:rPr lang="en-US" sz="1800" b="0" dirty="0">
-                <a:latin typeface="Courier New" panose="02070309020205020404" pitchFamily="49" charset="0"/>
-                <a:cs typeface="Courier New" panose="02070309020205020404" pitchFamily="49" charset="0"/>
-              </a:rPr>
-              <a:t> $ </a:t>
-            </a:r>
-            <a:r>
-              <a:rPr lang="en-US" sz="1800" b="0" dirty="0" err="1">
-                <a:latin typeface="Courier New" panose="02070309020205020404" pitchFamily="49" charset="0"/>
-                <a:cs typeface="Courier New" panose="02070309020205020404" pitchFamily="49" charset="0"/>
-              </a:rPr>
-              <a:t>state_fips_code</a:t>
-            </a:r>
-            <a:r>
-              <a:rPr lang="en-US" sz="1800" b="0" dirty="0">
-                <a:latin typeface="Courier New" panose="02070309020205020404" pitchFamily="49" charset="0"/>
-                <a:cs typeface="Courier New" panose="02070309020205020404" pitchFamily="49" charset="0"/>
-              </a:rPr>
-              <a:t>         : chr  "37" "13" "29" "26" ...</a:t>
-            </a:r>
-          </a:p>
-          <a:p>
-            <a:pPr marL="475794"/>
-            <a:r>
-              <a:rPr lang="en-US" sz="1800" b="0" dirty="0">
-                <a:latin typeface="Courier New" panose="02070309020205020404" pitchFamily="49" charset="0"/>
-                <a:cs typeface="Courier New" panose="02070309020205020404" pitchFamily="49" charset="0"/>
-              </a:rPr>
-              <a:t> $ </a:t>
-            </a:r>
-            <a:r>
-              <a:rPr lang="en-US" sz="1800" b="0" dirty="0" err="1">
-                <a:latin typeface="Courier New" panose="02070309020205020404" pitchFamily="49" charset="0"/>
-                <a:cs typeface="Courier New" panose="02070309020205020404" pitchFamily="49" charset="0"/>
-              </a:rPr>
-              <a:t>res_county</a:t>
-            </a:r>
-            <a:r>
-              <a:rPr lang="en-US" sz="1800" b="0" dirty="0">
-                <a:latin typeface="Courier New" panose="02070309020205020404" pitchFamily="49" charset="0"/>
-                <a:cs typeface="Courier New" panose="02070309020205020404" pitchFamily="49" charset="0"/>
-              </a:rPr>
-              <a:t>              : chr  "DAVIE" "BULLOCH" "POLK" "SANILAC" ...</a:t>
-            </a:r>
-          </a:p>
-          <a:p>
-            <a:pPr marL="475794"/>
-            <a:r>
-              <a:rPr lang="en-US" sz="1800" b="0" dirty="0">
-                <a:latin typeface="Courier New" panose="02070309020205020404" pitchFamily="49" charset="0"/>
-                <a:cs typeface="Courier New" panose="02070309020205020404" pitchFamily="49" charset="0"/>
-              </a:rPr>
-              <a:t> $ </a:t>
-            </a:r>
-            <a:r>
-              <a:rPr lang="en-US" sz="1800" b="0" dirty="0" err="1">
-                <a:latin typeface="Courier New" panose="02070309020205020404" pitchFamily="49" charset="0"/>
-                <a:cs typeface="Courier New" panose="02070309020205020404" pitchFamily="49" charset="0"/>
-              </a:rPr>
-              <a:t>county_fips_code</a:t>
-            </a:r>
-            <a:r>
-              <a:rPr lang="en-US" sz="1800" b="0" dirty="0">
-                <a:latin typeface="Courier New" panose="02070309020205020404" pitchFamily="49" charset="0"/>
-                <a:cs typeface="Courier New" panose="02070309020205020404" pitchFamily="49" charset="0"/>
-              </a:rPr>
-              <a:t>        : chr  "37059" "13031" "29167" "26151" ...</a:t>
-            </a:r>
-          </a:p>
-          <a:p>
-            <a:pPr marL="475794"/>
-            <a:r>
-              <a:rPr lang="en-US" sz="1800" b="0" dirty="0">
-                <a:latin typeface="Courier New" panose="02070309020205020404" pitchFamily="49" charset="0"/>
-                <a:cs typeface="Courier New" panose="02070309020205020404" pitchFamily="49" charset="0"/>
-              </a:rPr>
-              <a:t> $ </a:t>
-            </a:r>
-            <a:r>
-              <a:rPr lang="en-US" sz="1800" b="0" dirty="0" err="1">
-                <a:latin typeface="Courier New" panose="02070309020205020404" pitchFamily="49" charset="0"/>
-                <a:cs typeface="Courier New" panose="02070309020205020404" pitchFamily="49" charset="0"/>
-              </a:rPr>
-              <a:t>age_group</a:t>
-            </a:r>
-            <a:r>
-              <a:rPr lang="en-US" sz="1800" b="0" dirty="0">
-                <a:latin typeface="Courier New" panose="02070309020205020404" pitchFamily="49" charset="0"/>
-                <a:cs typeface="Courier New" panose="02070309020205020404" pitchFamily="49" charset="0"/>
-              </a:rPr>
-              <a:t>               : chr  "0 - 17 years" "18 to 49 years" "18 to 49 years" "18 to 49 years" ...</a:t>
-            </a:r>
-          </a:p>
-          <a:p>
-            <a:pPr marL="475794"/>
-            <a:r>
-              <a:rPr lang="en-US" sz="1800" b="0" dirty="0">
-                <a:latin typeface="Courier New" panose="02070309020205020404" pitchFamily="49" charset="0"/>
-                <a:cs typeface="Courier New" panose="02070309020205020404" pitchFamily="49" charset="0"/>
-              </a:rPr>
-              <a:t> $ sex                     : chr  "Female" "Female" "Female" "Female" Missing" ...</a:t>
-            </a:r>
-          </a:p>
-          <a:p>
-            <a:pPr marL="475794"/>
-            <a:r>
-              <a:rPr lang="en-US" sz="1800" b="0" dirty="0">
-                <a:latin typeface="Courier New" panose="02070309020205020404" pitchFamily="49" charset="0"/>
-                <a:cs typeface="Courier New" panose="02070309020205020404" pitchFamily="49" charset="0"/>
-              </a:rPr>
-              <a:t> $ </a:t>
-            </a:r>
-            <a:r>
-              <a:rPr lang="en-US" sz="1800" b="0" dirty="0" err="1">
-                <a:latin typeface="Courier New" panose="02070309020205020404" pitchFamily="49" charset="0"/>
-                <a:cs typeface="Courier New" panose="02070309020205020404" pitchFamily="49" charset="0"/>
-              </a:rPr>
-              <a:t>hosp_yn</a:t>
-            </a:r>
-            <a:r>
-              <a:rPr lang="en-US" sz="1800" b="0" dirty="0">
-                <a:latin typeface="Courier New" panose="02070309020205020404" pitchFamily="49" charset="0"/>
-                <a:cs typeface="Courier New" panose="02070309020205020404" pitchFamily="49" charset="0"/>
-              </a:rPr>
-              <a:t>                 : chr  "Unknown" "Missing" "Unknown" "Missing"...</a:t>
-            </a:r>
-          </a:p>
-          <a:p>
-            <a:pPr marL="475794"/>
-            <a:r>
-              <a:rPr lang="en-US" sz="1800" b="0" dirty="0">
-                <a:latin typeface="Courier New" panose="02070309020205020404" pitchFamily="49" charset="0"/>
-                <a:cs typeface="Courier New" panose="02070309020205020404" pitchFamily="49" charset="0"/>
-              </a:rPr>
-              <a:t> $ race                    : chr  "NA" "Unknown" "NA" "NA" ...</a:t>
-            </a:r>
-          </a:p>
-          <a:p>
-            <a:pPr marL="475794"/>
-            <a:r>
-              <a:rPr lang="en-US" sz="1800" b="0" dirty="0">
-                <a:latin typeface="Courier New" panose="02070309020205020404" pitchFamily="49" charset="0"/>
-                <a:cs typeface="Courier New" panose="02070309020205020404" pitchFamily="49" charset="0"/>
-              </a:rPr>
-              <a:t> $ ethnicity               : chr  "NA" "Missing" "NA" "NA" ...</a:t>
-            </a:r>
-          </a:p>
-          <a:p>
-            <a:pPr marL="475794"/>
-            <a:r>
-              <a:rPr lang="en-US" sz="1800" b="0" dirty="0">
-                <a:latin typeface="Courier New" panose="02070309020205020404" pitchFamily="49" charset="0"/>
-                <a:cs typeface="Courier New" panose="02070309020205020404" pitchFamily="49" charset="0"/>
-              </a:rPr>
-              <a:t> $ </a:t>
-            </a:r>
-            <a:r>
-              <a:rPr lang="en-US" sz="1800" b="0" dirty="0" err="1">
-                <a:latin typeface="Courier New" panose="02070309020205020404" pitchFamily="49" charset="0"/>
-                <a:cs typeface="Courier New" panose="02070309020205020404" pitchFamily="49" charset="0"/>
-              </a:rPr>
-              <a:t>case_positive_specimen</a:t>
-            </a:r>
-            <a:r>
-              <a:rPr lang="en-US" sz="1800" b="0" dirty="0">
-                <a:latin typeface="Courier New" panose="02070309020205020404" pitchFamily="49" charset="0"/>
-                <a:cs typeface="Courier New" panose="02070309020205020404" pitchFamily="49" charset="0"/>
-              </a:rPr>
-              <a:t>  : chr  "0.0" NA "0.0" NA ...</a:t>
-            </a:r>
-          </a:p>
-          <a:p>
-            <a:pPr marL="475794"/>
-            <a:r>
-              <a:rPr lang="en-US" sz="1800" b="0" dirty="0">
-                <a:latin typeface="Courier New" panose="02070309020205020404" pitchFamily="49" charset="0"/>
-                <a:cs typeface="Courier New" panose="02070309020205020404" pitchFamily="49" charset="0"/>
-              </a:rPr>
-              <a:t> $ process                 : chr  "Missing" "Missing" "Missing" "Missing" ...</a:t>
-            </a:r>
-          </a:p>
-          <a:p>
-            <a:pPr marL="475794"/>
-            <a:r>
-              <a:rPr lang="en-US" sz="1800" b="0" dirty="0">
-                <a:latin typeface="Courier New" panose="02070309020205020404" pitchFamily="49" charset="0"/>
-                <a:cs typeface="Courier New" panose="02070309020205020404" pitchFamily="49" charset="0"/>
-              </a:rPr>
-              <a:t> $ </a:t>
-            </a:r>
-            <a:r>
-              <a:rPr lang="en-US" sz="1800" b="0" dirty="0" err="1">
-                <a:latin typeface="Courier New" panose="02070309020205020404" pitchFamily="49" charset="0"/>
-                <a:cs typeface="Courier New" panose="02070309020205020404" pitchFamily="49" charset="0"/>
-              </a:rPr>
-              <a:t>exposure_yn</a:t>
-            </a:r>
-            <a:r>
-              <a:rPr lang="en-US" sz="1800" b="0" dirty="0">
-                <a:latin typeface="Courier New" panose="02070309020205020404" pitchFamily="49" charset="0"/>
-                <a:cs typeface="Courier New" panose="02070309020205020404" pitchFamily="49" charset="0"/>
-              </a:rPr>
-              <a:t>             : chr  "Missing" "Missing" "Missing" "Missing" ...</a:t>
-            </a:r>
-          </a:p>
-          <a:p>
-            <a:pPr marL="475794"/>
-            <a:r>
-              <a:rPr lang="en-US" sz="1800" b="0" dirty="0">
-                <a:latin typeface="Courier New" panose="02070309020205020404" pitchFamily="49" charset="0"/>
-                <a:cs typeface="Courier New" panose="02070309020205020404" pitchFamily="49" charset="0"/>
-              </a:rPr>
-              <a:t> $ </a:t>
-            </a:r>
-            <a:r>
-              <a:rPr lang="en-US" sz="1800" b="0" dirty="0" err="1">
-                <a:latin typeface="Courier New" panose="02070309020205020404" pitchFamily="49" charset="0"/>
-                <a:cs typeface="Courier New" panose="02070309020205020404" pitchFamily="49" charset="0"/>
-              </a:rPr>
-              <a:t>current_status</a:t>
-            </a:r>
-            <a:r>
-              <a:rPr lang="en-US" sz="1800" b="0" dirty="0">
-                <a:latin typeface="Courier New" panose="02070309020205020404" pitchFamily="49" charset="0"/>
-                <a:cs typeface="Courier New" panose="02070309020205020404" pitchFamily="49" charset="0"/>
-              </a:rPr>
-              <a:t>          : chr  "Laboratory-confirmed case" "Laboratory-confirmed case" "Laboratory-confirmed case" "Laboratory-confirmed case" ...</a:t>
-            </a:r>
-          </a:p>
-          <a:p>
-            <a:pPr marL="475794"/>
-            <a:r>
-              <a:rPr lang="en-US" sz="1800" b="0" dirty="0">
-                <a:latin typeface="Courier New" panose="02070309020205020404" pitchFamily="49" charset="0"/>
-                <a:cs typeface="Courier New" panose="02070309020205020404" pitchFamily="49" charset="0"/>
-              </a:rPr>
-              <a:t> $ </a:t>
-            </a:r>
-            <a:r>
-              <a:rPr lang="en-US" sz="1800" b="0" dirty="0" err="1">
-                <a:latin typeface="Courier New" panose="02070309020205020404" pitchFamily="49" charset="0"/>
-                <a:cs typeface="Courier New" panose="02070309020205020404" pitchFamily="49" charset="0"/>
-              </a:rPr>
-              <a:t>symptom_status</a:t>
-            </a:r>
-            <a:r>
-              <a:rPr lang="en-US" sz="1800" b="0" dirty="0">
-                <a:latin typeface="Courier New" panose="02070309020205020404" pitchFamily="49" charset="0"/>
-                <a:cs typeface="Courier New" panose="02070309020205020404" pitchFamily="49" charset="0"/>
-              </a:rPr>
-              <a:t>          : chr  "Unknown" "Symptomatic" "Symptomatic" " ...</a:t>
-            </a:r>
-          </a:p>
-          <a:p>
-            <a:pPr marL="475794"/>
-            <a:r>
-              <a:rPr lang="en-US" sz="1800" b="0" dirty="0">
-                <a:latin typeface="Courier New" panose="02070309020205020404" pitchFamily="49" charset="0"/>
-                <a:cs typeface="Courier New" panose="02070309020205020404" pitchFamily="49" charset="0"/>
-              </a:rPr>
-              <a:t> $ </a:t>
-            </a:r>
-            <a:r>
-              <a:rPr lang="en-US" sz="1800" b="0" dirty="0" err="1">
-                <a:latin typeface="Courier New" panose="02070309020205020404" pitchFamily="49" charset="0"/>
-                <a:cs typeface="Courier New" panose="02070309020205020404" pitchFamily="49" charset="0"/>
-              </a:rPr>
-              <a:t>icu_yn</a:t>
-            </a:r>
-            <a:r>
-              <a:rPr lang="en-US" sz="1800" b="0" dirty="0">
-                <a:latin typeface="Courier New" panose="02070309020205020404" pitchFamily="49" charset="0"/>
-                <a:cs typeface="Courier New" panose="02070309020205020404" pitchFamily="49" charset="0"/>
-              </a:rPr>
-              <a:t>                  : chr  "Unknown" "Missing" "Missing" "Missing" ...</a:t>
-            </a:r>
-          </a:p>
-          <a:p>
-            <a:pPr marL="475794"/>
-            <a:r>
-              <a:rPr lang="en-US" sz="1800" b="0" dirty="0">
-                <a:latin typeface="Courier New" panose="02070309020205020404" pitchFamily="49" charset="0"/>
-                <a:cs typeface="Courier New" panose="02070309020205020404" pitchFamily="49" charset="0"/>
-              </a:rPr>
-              <a:t> $ </a:t>
-            </a:r>
-            <a:r>
-              <a:rPr lang="en-US" sz="1800" b="0" dirty="0" err="1">
-                <a:latin typeface="Courier New" panose="02070309020205020404" pitchFamily="49" charset="0"/>
-                <a:cs typeface="Courier New" panose="02070309020205020404" pitchFamily="49" charset="0"/>
-              </a:rPr>
-              <a:t>death_yn</a:t>
-            </a:r>
-            <a:r>
-              <a:rPr lang="en-US" sz="1800" b="0" dirty="0">
-                <a:latin typeface="Courier New" panose="02070309020205020404" pitchFamily="49" charset="0"/>
-                <a:cs typeface="Courier New" panose="02070309020205020404" pitchFamily="49" charset="0"/>
-              </a:rPr>
-              <a:t>                : chr  "No" "Missing" "Unknown" "Unknown" ...</a:t>
-            </a:r>
-          </a:p>
-          <a:p>
-            <a:pPr marL="475794"/>
-            <a:r>
-              <a:rPr lang="en-US" sz="1800" b="0" dirty="0">
-                <a:latin typeface="Courier New" panose="02070309020205020404" pitchFamily="49" charset="0"/>
-                <a:cs typeface="Courier New" panose="02070309020205020404" pitchFamily="49" charset="0"/>
-              </a:rPr>
-              <a:t> $ </a:t>
-            </a:r>
-            <a:r>
-              <a:rPr lang="en-US" sz="1800" b="0" dirty="0" err="1">
-                <a:latin typeface="Courier New" panose="02070309020205020404" pitchFamily="49" charset="0"/>
-                <a:cs typeface="Courier New" panose="02070309020205020404" pitchFamily="49" charset="0"/>
-              </a:rPr>
-              <a:t>case_onset_interval</a:t>
-            </a:r>
-            <a:r>
-              <a:rPr lang="en-US" sz="1800" b="0" dirty="0">
-                <a:latin typeface="Courier New" panose="02070309020205020404" pitchFamily="49" charset="0"/>
-                <a:cs typeface="Courier New" panose="02070309020205020404" pitchFamily="49" charset="0"/>
-              </a:rPr>
-              <a:t>     : chr  NA "0.0" "0.0" NA ...</a:t>
-            </a:r>
-          </a:p>
-          <a:p>
-            <a:pPr marL="475794"/>
-            <a:r>
-              <a:rPr lang="en-US" sz="1800" b="0" dirty="0">
-                <a:latin typeface="Courier New" panose="02070309020205020404" pitchFamily="49" charset="0"/>
-                <a:cs typeface="Courier New" panose="02070309020205020404" pitchFamily="49" charset="0"/>
-              </a:rPr>
-              <a:t> $ </a:t>
-            </a:r>
-            <a:r>
-              <a:rPr lang="en-US" sz="1800" b="0" dirty="0" err="1">
-                <a:latin typeface="Courier New" panose="02070309020205020404" pitchFamily="49" charset="0"/>
-                <a:cs typeface="Courier New" panose="02070309020205020404" pitchFamily="49" charset="0"/>
-              </a:rPr>
-              <a:t>underlying_conditions_yn</a:t>
-            </a:r>
-            <a:r>
-              <a:rPr lang="en-US" sz="1800" b="0" dirty="0">
-                <a:latin typeface="Courier New" panose="02070309020205020404" pitchFamily="49" charset="0"/>
-                <a:cs typeface="Courier New" panose="02070309020205020404" pitchFamily="49" charset="0"/>
-              </a:rPr>
-              <a:t>: chr  NA NA NA NA ...</a:t>
-            </a:r>
+            <a:endParaRPr lang="en-US" sz="1400" b="0" dirty="0">
+              <a:latin typeface="Courier New" panose="02070309020205020404" pitchFamily="49" charset="0"/>
+              <a:cs typeface="Courier New" panose="02070309020205020404" pitchFamily="49" charset="0"/>
+            </a:endParaRPr>
           </a:p>
         </p:txBody>
       </p:sp>
@@ -7137,7 +7046,7 @@
         </p:nvSpPr>
         <p:spPr>
           <a:xfrm>
-            <a:off x="35369132" y="22321936"/>
+            <a:off x="35546659" y="25005727"/>
             <a:ext cx="12928911" cy="528816"/>
           </a:xfrm>
           <a:prstGeom prst="rect">
@@ -7193,7 +7102,7 @@
         </p:nvSpPr>
         <p:spPr>
           <a:xfrm>
-            <a:off x="34414477" y="23345218"/>
+            <a:off x="34592004" y="26029009"/>
             <a:ext cx="14838218" cy="1032334"/>
           </a:xfrm>
           <a:prstGeom prst="rect">
@@ -7215,7 +7124,7 @@
                 <a:latin typeface="+mj-lt"/>
                 <a:cs typeface="Times New Roman" panose="02020603050405020304" pitchFamily="18" charset="0"/>
               </a:rPr>
-              <a:t>Map</a:t>
+              <a:t>Map of Predicted hospitalization probabilities</a:t>
             </a:r>
           </a:p>
           <a:p>
@@ -7631,7 +7540,7 @@
         </p:blipFill>
         <p:spPr>
           <a:xfrm>
-            <a:off x="6236431" y="22842900"/>
+            <a:off x="6236431" y="20248514"/>
             <a:ext cx="7307816" cy="1429790"/>
           </a:xfrm>
           <a:prstGeom prst="rect">
@@ -7661,7 +7570,7 @@
         </p:blipFill>
         <p:spPr>
           <a:xfrm>
-            <a:off x="6236431" y="24356931"/>
+            <a:off x="6236431" y="21762545"/>
             <a:ext cx="4871975" cy="1963897"/>
           </a:xfrm>
           <a:prstGeom prst="rect">
@@ -7691,7 +7600,7 @@
         </p:blipFill>
         <p:spPr>
           <a:xfrm>
-            <a:off x="5729836" y="26282291"/>
+            <a:off x="5729836" y="23687905"/>
             <a:ext cx="12240150" cy="1224015"/>
           </a:xfrm>
           <a:prstGeom prst="rect">
@@ -7751,7 +7660,7 @@
         </p:blipFill>
         <p:spPr>
           <a:xfrm>
-            <a:off x="21311525" y="28299630"/>
+            <a:off x="21311525" y="28280356"/>
             <a:ext cx="12074928" cy="1454348"/>
           </a:xfrm>
           <a:prstGeom prst="rect">
@@ -7773,7 +7682,7 @@
         </p:nvSpPr>
         <p:spPr>
           <a:xfrm>
-            <a:off x="11482860" y="23802185"/>
+            <a:off x="11482860" y="21207799"/>
             <a:ext cx="7179122" cy="2908489"/>
           </a:xfrm>
           <a:prstGeom prst="rect">
@@ -7851,7 +7760,7 @@
         </p:blipFill>
         <p:spPr>
           <a:xfrm>
-            <a:off x="2686713" y="29780306"/>
+            <a:off x="2701124" y="29732376"/>
             <a:ext cx="6368364" cy="3918993"/>
           </a:xfrm>
           <a:prstGeom prst="rect">
@@ -7881,7 +7790,7 @@
         </p:blipFill>
         <p:spPr>
           <a:xfrm>
-            <a:off x="9470460" y="29780306"/>
+            <a:off x="9450317" y="29723308"/>
             <a:ext cx="6368365" cy="3908165"/>
           </a:xfrm>
           <a:prstGeom prst="rect">
@@ -7891,10 +7800,10 @@
       </p:pic>
       <p:pic>
         <p:nvPicPr>
-          <p:cNvPr id="73" name="Picture 72" descr="A graph of a graph of a number of numbers&#10;&#10;Description automatically generated with medium confidence">
+          <p:cNvPr id="15" name="Picture 14">
             <a:extLst>
               <a:ext uri="{FF2B5EF4-FFF2-40B4-BE49-F238E27FC236}">
-                <a16:creationId xmlns:a16="http://schemas.microsoft.com/office/drawing/2014/main" id="{84DC0CD4-2CD1-878D-A7A3-C6B1EEB5829D}"/>
+                <a16:creationId xmlns:a16="http://schemas.microsoft.com/office/drawing/2014/main" id="{4E2B81BC-1FD1-F01C-DFE3-F285FB998B06}"/>
               </a:ext>
             </a:extLst>
           </p:cNvPr>
@@ -7911,20 +7820,55 @@
         </p:blipFill>
         <p:spPr>
           <a:xfrm>
-            <a:off x="34746608" y="9221743"/>
-            <a:ext cx="11717671" cy="4186576"/>
+            <a:off x="18833569" y="30111669"/>
+            <a:ext cx="12363065" cy="1167486"/>
           </a:xfrm>
           <a:prstGeom prst="rect">
             <a:avLst/>
           </a:prstGeom>
         </p:spPr>
       </p:pic>
+      <p:sp>
+        <p:nvSpPr>
+          <p:cNvPr id="16" name="TextBox 15">
+            <a:extLst>
+              <a:ext uri="{FF2B5EF4-FFF2-40B4-BE49-F238E27FC236}">
+                <a16:creationId xmlns:a16="http://schemas.microsoft.com/office/drawing/2014/main" id="{6B788D3C-F00A-2A76-725C-5775069CD8BE}"/>
+              </a:ext>
+            </a:extLst>
+          </p:cNvPr>
+          <p:cNvSpPr txBox="1"/>
+          <p:nvPr/>
+        </p:nvSpPr>
+        <p:spPr>
+          <a:xfrm>
+            <a:off x="18630613" y="29343153"/>
+            <a:ext cx="3223071" cy="561692"/>
+          </a:xfrm>
+          <a:prstGeom prst="rect">
+            <a:avLst/>
+          </a:prstGeom>
+          <a:noFill/>
+        </p:spPr>
+        <p:txBody>
+          <a:bodyPr wrap="square" rtlCol="0">
+            <a:spAutoFit/>
+          </a:bodyPr>
+          <a:lstStyle/>
+          <a:p>
+            <a:r>
+              <a:rPr lang="en-US" sz="3050" dirty="0"/>
+              <a:t>Model Summary</a:t>
+            </a:r>
+          </a:p>
+        </p:txBody>
+      </p:sp>
       <p:pic>
         <p:nvPicPr>
-          <p:cNvPr id="75" name="Picture 74" descr="A graph of a number of data&#10;&#10;Description automatically generated with medium confidence">
+          <p:cNvPr id="17" name="Picture 16" descr="A screenshot of a data&#10;&#10;Description automatically generated">
             <a:extLst>
               <a:ext uri="{FF2B5EF4-FFF2-40B4-BE49-F238E27FC236}">
-                <a16:creationId xmlns:a16="http://schemas.microsoft.com/office/drawing/2014/main" id="{CF1D076E-9256-41B3-4EF7-1B3A17E8AF97}"/>
+                <a16:creationId xmlns:a16="http://schemas.microsoft.com/office/drawing/2014/main" id="{B26C3502-6580-E651-C75B-1E989EA9C35C}"/>
               </a:ext>
             </a:extLst>
           </p:cNvPr>
@@ -7941,8 +7885,8 @@
         </p:blipFill>
         <p:spPr>
           <a:xfrm>
-            <a:off x="34746608" y="14167926"/>
-            <a:ext cx="12274923" cy="3973101"/>
+            <a:off x="19723504" y="31372198"/>
+            <a:ext cx="10259739" cy="5036409"/>
           </a:xfrm>
           <a:prstGeom prst="rect">
             <a:avLst/>
@@ -7951,64 +7895,61 @@
       </p:pic>
       <p:sp>
         <p:nvSpPr>
-          <p:cNvPr id="76" name="TextBox 75">
+          <p:cNvPr id="18" name="Rectangle 17">
             <a:extLst>
               <a:ext uri="{FF2B5EF4-FFF2-40B4-BE49-F238E27FC236}">
-                <a16:creationId xmlns:a16="http://schemas.microsoft.com/office/drawing/2014/main" id="{E6E60C1C-9FF6-E33D-A578-447DAE107F00}"/>
+                <a16:creationId xmlns:a16="http://schemas.microsoft.com/office/drawing/2014/main" id="{6B3A98B8-DF44-1929-0943-D87234B319A6}"/>
               </a:ext>
             </a:extLst>
           </p:cNvPr>
-          <p:cNvSpPr txBox="1"/>
+          <p:cNvSpPr/>
           <p:nvPr/>
         </p:nvSpPr>
         <p:spPr>
           <a:xfrm>
-            <a:off x="34746607" y="13507276"/>
-            <a:ext cx="14014305" cy="561692"/>
+            <a:off x="34414477" y="8150537"/>
+            <a:ext cx="14838218" cy="1032334"/>
           </a:xfrm>
           <a:prstGeom prst="rect">
             <a:avLst/>
           </a:prstGeom>
-          <a:noFill/>
-        </p:spPr>
-        <p:txBody>
-          <a:bodyPr wrap="square" rtlCol="0">
+        </p:spPr>
+        <p:txBody>
+          <a:bodyPr wrap="square">
             <a:spAutoFit/>
           </a:bodyPr>
           <a:lstStyle/>
           <a:p>
-            <a:r>
-              <a:rPr lang="en-US" sz="3050" b="1" dirty="0"/>
-              <a:t>Hierarchical Model (</a:t>
-            </a:r>
-            <a:r>
-              <a:rPr lang="en-US" sz="3050" b="1" dirty="0" err="1"/>
-              <a:t>hosp</a:t>
-            </a:r>
-            <a:r>
-              <a:rPr lang="en-US" sz="3050" b="1" dirty="0"/>
-              <a:t>_</a:t>
-            </a:r>
-            <a:r>
-              <a:rPr lang="en-US" sz="2800" b="1" dirty="0">
+            <a:pPr marL="933406" indent="-451550">
+              <a:buFont typeface="Arial" pitchFamily="34" charset="0"/>
+              <a:buChar char="•"/>
+            </a:pPr>
+            <a:r>
+              <a:rPr lang="en-US" sz="3054" dirty="0">
                 <a:latin typeface="+mj-lt"/>
                 <a:cs typeface="Times New Roman" panose="02020603050405020304" pitchFamily="18" charset="0"/>
               </a:rPr>
-              <a:t> hospitalized(binary)</a:t>
-            </a:r>
-            <a:r>
-              <a:rPr lang="en-US" sz="3050" b="1" dirty="0"/>
-              <a:t> ~ age group + race + (1 | resident state))</a:t>
+              <a:t>We used the mean to compare how well each model fit the observed data</a:t>
+            </a:r>
+          </a:p>
+          <a:p>
+            <a:pPr marL="481856"/>
+            <a:r>
+              <a:rPr lang="en-US" sz="3054" b="1" dirty="0">
+                <a:latin typeface="+mj-lt"/>
+                <a:cs typeface="Times New Roman" panose="02020603050405020304" pitchFamily="18" charset="0"/>
+              </a:rPr>
+              <a:t>Base Model (hospitalized(binary) ~ age group + race)</a:t>
             </a:r>
           </a:p>
         </p:txBody>
       </p:sp>
       <p:pic>
         <p:nvPicPr>
-          <p:cNvPr id="78" name="Picture 77">
+          <p:cNvPr id="22" name="Picture 21" descr="A graph of a graph of a number of numbers&#10;&#10;Description automatically generated with medium confidence">
             <a:extLst>
               <a:ext uri="{FF2B5EF4-FFF2-40B4-BE49-F238E27FC236}">
-                <a16:creationId xmlns:a16="http://schemas.microsoft.com/office/drawing/2014/main" id="{49B660D2-2D8E-984A-B197-22892845827F}"/>
+                <a16:creationId xmlns:a16="http://schemas.microsoft.com/office/drawing/2014/main" id="{90FF268F-1CA9-D059-8F40-74FB65538707}"/>
               </a:ext>
             </a:extLst>
           </p:cNvPr>
@@ -8025,55 +7966,20 @@
         </p:blipFill>
         <p:spPr>
           <a:xfrm>
-            <a:off x="18864938" y="30349460"/>
-            <a:ext cx="12363065" cy="1167486"/>
+            <a:off x="34746608" y="9221743"/>
+            <a:ext cx="11717671" cy="4186576"/>
           </a:xfrm>
           <a:prstGeom prst="rect">
             <a:avLst/>
           </a:prstGeom>
         </p:spPr>
       </p:pic>
-      <p:sp>
-        <p:nvSpPr>
-          <p:cNvPr id="79" name="TextBox 78">
+      <p:pic>
+        <p:nvPicPr>
+          <p:cNvPr id="24" name="Picture 23" descr="A graph of a number of data&#10;&#10;Description automatically generated with medium confidence">
             <a:extLst>
               <a:ext uri="{FF2B5EF4-FFF2-40B4-BE49-F238E27FC236}">
-                <a16:creationId xmlns:a16="http://schemas.microsoft.com/office/drawing/2014/main" id="{63428BD0-FDAE-DC82-0D7B-EF6C0253BC63}"/>
-              </a:ext>
-            </a:extLst>
-          </p:cNvPr>
-          <p:cNvSpPr txBox="1"/>
-          <p:nvPr/>
-        </p:nvSpPr>
-        <p:spPr>
-          <a:xfrm>
-            <a:off x="18661982" y="29580944"/>
-            <a:ext cx="3223071" cy="561692"/>
-          </a:xfrm>
-          <a:prstGeom prst="rect">
-            <a:avLst/>
-          </a:prstGeom>
-          <a:noFill/>
-        </p:spPr>
-        <p:txBody>
-          <a:bodyPr wrap="square" rtlCol="0">
-            <a:spAutoFit/>
-          </a:bodyPr>
-          <a:lstStyle/>
-          <a:p>
-            <a:r>
-              <a:rPr lang="en-US" sz="3050" dirty="0"/>
-              <a:t>Model Summary</a:t>
-            </a:r>
-          </a:p>
-        </p:txBody>
-      </p:sp>
-      <p:pic>
-        <p:nvPicPr>
-          <p:cNvPr id="83" name="Picture 82" descr="A screenshot of a data&#10;&#10;Description automatically generated">
-            <a:extLst>
-              <a:ext uri="{FF2B5EF4-FFF2-40B4-BE49-F238E27FC236}">
-                <a16:creationId xmlns:a16="http://schemas.microsoft.com/office/drawing/2014/main" id="{1536A60F-86BC-013D-476C-404AB45ED9C2}"/>
+                <a16:creationId xmlns:a16="http://schemas.microsoft.com/office/drawing/2014/main" id="{E270B8C5-399C-6C66-D0D0-D2E2D733BB2F}"/>
               </a:ext>
             </a:extLst>
           </p:cNvPr>
@@ -8090,14 +7996,237 @@
         </p:blipFill>
         <p:spPr>
           <a:xfrm>
-            <a:off x="19754873" y="31609989"/>
-            <a:ext cx="10259739" cy="5036409"/>
+            <a:off x="34746608" y="14167926"/>
+            <a:ext cx="12274923" cy="3973101"/>
           </a:xfrm>
           <a:prstGeom prst="rect">
             <a:avLst/>
           </a:prstGeom>
         </p:spPr>
       </p:pic>
+      <p:pic>
+        <p:nvPicPr>
+          <p:cNvPr id="32" name="Picture 31" descr="A map of the united states&#10;&#10;Description automatically generated">
+            <a:extLst>
+              <a:ext uri="{FF2B5EF4-FFF2-40B4-BE49-F238E27FC236}">
+                <a16:creationId xmlns:a16="http://schemas.microsoft.com/office/drawing/2014/main" id="{C715AAD6-0D02-3C73-A4E1-3480F5915B5D}"/>
+              </a:ext>
+            </a:extLst>
+          </p:cNvPr>
+          <p:cNvPicPr>
+            <a:picLocks noChangeAspect="1"/>
+          </p:cNvPicPr>
+          <p:nvPr/>
+        </p:nvPicPr>
+        <p:blipFill>
+          <a:blip r:embed="rId21"/>
+          <a:stretch>
+            <a:fillRect/>
+          </a:stretch>
+        </p:blipFill>
+        <p:spPr>
+          <a:xfrm>
+            <a:off x="33822475" y="26552800"/>
+            <a:ext cx="10647966" cy="4743888"/>
+          </a:xfrm>
+          <a:prstGeom prst="rect">
+            <a:avLst/>
+          </a:prstGeom>
+        </p:spPr>
+      </p:pic>
+      <p:pic>
+        <p:nvPicPr>
+          <p:cNvPr id="41" name="Picture 40" descr="A screenshot of a computer&#10;&#10;Description automatically generated">
+            <a:extLst>
+              <a:ext uri="{FF2B5EF4-FFF2-40B4-BE49-F238E27FC236}">
+                <a16:creationId xmlns:a16="http://schemas.microsoft.com/office/drawing/2014/main" id="{3D020BE2-4474-80CB-9892-AAD18C3C67C1}"/>
+              </a:ext>
+            </a:extLst>
+          </p:cNvPr>
+          <p:cNvPicPr>
+            <a:picLocks noChangeAspect="1"/>
+          </p:cNvPicPr>
+          <p:nvPr/>
+        </p:nvPicPr>
+        <p:blipFill>
+          <a:blip r:embed="rId22"/>
+          <a:stretch>
+            <a:fillRect/>
+          </a:stretch>
+        </p:blipFill>
+        <p:spPr>
+          <a:xfrm>
+            <a:off x="44470441" y="26212540"/>
+            <a:ext cx="6418800" cy="4084691"/>
+          </a:xfrm>
+          <a:prstGeom prst="rect">
+            <a:avLst/>
+          </a:prstGeom>
+        </p:spPr>
+      </p:pic>
+      <p:pic>
+        <p:nvPicPr>
+          <p:cNvPr id="52" name="Picture 51">
+            <a:extLst>
+              <a:ext uri="{FF2B5EF4-FFF2-40B4-BE49-F238E27FC236}">
+                <a16:creationId xmlns:a16="http://schemas.microsoft.com/office/drawing/2014/main" id="{51963A4C-0FE3-0643-6EEB-95596B889E97}"/>
+              </a:ext>
+            </a:extLst>
+          </p:cNvPr>
+          <p:cNvPicPr>
+            <a:picLocks noChangeAspect="1"/>
+          </p:cNvPicPr>
+          <p:nvPr/>
+        </p:nvPicPr>
+        <p:blipFill>
+          <a:blip r:embed="rId23"/>
+          <a:stretch>
+            <a:fillRect/>
+          </a:stretch>
+        </p:blipFill>
+        <p:spPr>
+          <a:xfrm>
+            <a:off x="13401090" y="20379958"/>
+            <a:ext cx="2765554" cy="853566"/>
+          </a:xfrm>
+          <a:prstGeom prst="rect">
+            <a:avLst/>
+          </a:prstGeom>
+        </p:spPr>
+      </p:pic>
+      <p:pic>
+        <p:nvPicPr>
+          <p:cNvPr id="58" name="Picture 57">
+            <a:extLst>
+              <a:ext uri="{FF2B5EF4-FFF2-40B4-BE49-F238E27FC236}">
+                <a16:creationId xmlns:a16="http://schemas.microsoft.com/office/drawing/2014/main" id="{5B0F9A5A-602F-0862-F00F-F1E573F0618F}"/>
+              </a:ext>
+            </a:extLst>
+          </p:cNvPr>
+          <p:cNvPicPr>
+            <a:picLocks noChangeAspect="1"/>
+          </p:cNvPicPr>
+          <p:nvPr/>
+        </p:nvPicPr>
+        <p:blipFill>
+          <a:blip r:embed="rId23"/>
+          <a:stretch>
+            <a:fillRect/>
+          </a:stretch>
+        </p:blipFill>
+        <p:spPr>
+          <a:xfrm>
+            <a:off x="27500480" y="27125607"/>
+            <a:ext cx="2765554" cy="853566"/>
+          </a:xfrm>
+          <a:prstGeom prst="rect">
+            <a:avLst/>
+          </a:prstGeom>
+        </p:spPr>
+      </p:pic>
+      <p:pic>
+        <p:nvPicPr>
+          <p:cNvPr id="39" name="Picture 38" descr="A graph of different sizes and colors&#10;&#10;Description automatically generated with medium confidence">
+            <a:extLst>
+              <a:ext uri="{FF2B5EF4-FFF2-40B4-BE49-F238E27FC236}">
+                <a16:creationId xmlns:a16="http://schemas.microsoft.com/office/drawing/2014/main" id="{22145AED-3578-B3D7-8DFF-AF327594FCB4}"/>
+              </a:ext>
+            </a:extLst>
+          </p:cNvPr>
+          <p:cNvPicPr>
+            <a:picLocks noChangeAspect="1"/>
+          </p:cNvPicPr>
+          <p:nvPr/>
+        </p:nvPicPr>
+        <p:blipFill>
+          <a:blip r:embed="rId24"/>
+          <a:stretch>
+            <a:fillRect/>
+          </a:stretch>
+        </p:blipFill>
+        <p:spPr>
+          <a:xfrm>
+            <a:off x="42215098" y="21233524"/>
+            <a:ext cx="5879370" cy="3628411"/>
+          </a:xfrm>
+          <a:prstGeom prst="rect">
+            <a:avLst/>
+          </a:prstGeom>
+        </p:spPr>
+      </p:pic>
+      <p:pic>
+        <p:nvPicPr>
+          <p:cNvPr id="61" name="Picture 60" descr="A graph of different sizes of lines&#10;&#10;Description automatically generated with medium confidence">
+            <a:extLst>
+              <a:ext uri="{FF2B5EF4-FFF2-40B4-BE49-F238E27FC236}">
+                <a16:creationId xmlns:a16="http://schemas.microsoft.com/office/drawing/2014/main" id="{2EE4F7C8-0272-9CDB-60D7-5BF9DB31884E}"/>
+              </a:ext>
+            </a:extLst>
+          </p:cNvPr>
+          <p:cNvPicPr>
+            <a:picLocks noChangeAspect="1"/>
+          </p:cNvPicPr>
+          <p:nvPr/>
+        </p:nvPicPr>
+        <p:blipFill>
+          <a:blip r:embed="rId25"/>
+          <a:stretch>
+            <a:fillRect/>
+          </a:stretch>
+        </p:blipFill>
+        <p:spPr>
+          <a:xfrm>
+            <a:off x="35343654" y="21152595"/>
+            <a:ext cx="5879370" cy="3628411"/>
+          </a:xfrm>
+          <a:prstGeom prst="rect">
+            <a:avLst/>
+          </a:prstGeom>
+        </p:spPr>
+      </p:pic>
+      <p:sp>
+        <p:nvSpPr>
+          <p:cNvPr id="63" name="TextBox 62">
+            <a:extLst>
+              <a:ext uri="{FF2B5EF4-FFF2-40B4-BE49-F238E27FC236}">
+                <a16:creationId xmlns:a16="http://schemas.microsoft.com/office/drawing/2014/main" id="{F4ECC765-DA64-1FE2-E866-3C76626377F2}"/>
+              </a:ext>
+            </a:extLst>
+          </p:cNvPr>
+          <p:cNvSpPr txBox="1"/>
+          <p:nvPr/>
+        </p:nvSpPr>
+        <p:spPr>
+          <a:xfrm>
+            <a:off x="36149280" y="20625729"/>
+            <a:ext cx="11945188" cy="553998"/>
+          </a:xfrm>
+          <a:prstGeom prst="rect">
+            <a:avLst/>
+          </a:prstGeom>
+          <a:noFill/>
+        </p:spPr>
+        <p:txBody>
+          <a:bodyPr wrap="square" rtlCol="0">
+            <a:spAutoFit/>
+          </a:bodyPr>
+          <a:lstStyle/>
+          <a:p>
+            <a:r>
+              <a:rPr lang="en-US" sz="3000" b="1" dirty="0"/>
+              <a:t>Base Model</a:t>
+            </a:r>
+            <a:r>
+              <a:rPr lang="en-US" sz="3000" dirty="0"/>
+              <a:t>			</a:t>
+            </a:r>
+            <a:r>
+              <a:rPr lang="en-US" sz="3000" b="1" dirty="0"/>
+              <a:t>Hierarchical Model</a:t>
+            </a:r>
+          </a:p>
+        </p:txBody>
+      </p:sp>
     </p:spTree>
   </p:cSld>
   <p:clrMapOvr>
@@ -8725,9 +8854,7 @@
 <file path=customXml/item1.xml><?xml version="1.0" encoding="utf-8"?>
 <p:properties xmlns:p="http://schemas.microsoft.com/office/2006/metadata/properties" xmlns:xsi="http://www.w3.org/2001/XMLSchema-instance" xmlns:pc="http://schemas.microsoft.com/office/infopath/2007/PartnerControls">
   <documentManagement>
-    <lcf76f155ced4ddcb4097134ff3c332f xmlns="fc36ba27-577a-4cf7-85a7-ffa139955d90">
-      <Terms xmlns="http://schemas.microsoft.com/office/infopath/2007/PartnerControls"/>
-    </lcf76f155ced4ddcb4097134ff3c332f>
+    <_activity xmlns="4f41ae97-5a6c-4458-bb1f-235b5f3b5d68" xsi:nil="true"/>
   </documentManagement>
 </p:properties>
 </file>
@@ -8742,31 +8869,29 @@
 </file>
 
 <file path=customXml/item3.xml><?xml version="1.0" encoding="utf-8"?>
-<ct:contentTypeSchema xmlns:ct="http://schemas.microsoft.com/office/2006/metadata/contentType" xmlns:ma="http://schemas.microsoft.com/office/2006/metadata/properties/metaAttributes" ct:_="" ma:_="" ma:contentTypeName="Document" ma:contentTypeID="0x01010068AAF71F4C9F8A469843294D15689A95" ma:contentTypeVersion="16" ma:contentTypeDescription="Create a new document." ma:contentTypeScope="" ma:versionID="61a44de3166297b41cbd6804616a22bb">
-  <xsd:schema xmlns:xsd="http://www.w3.org/2001/XMLSchema" xmlns:xs="http://www.w3.org/2001/XMLSchema" xmlns:p="http://schemas.microsoft.com/office/2006/metadata/properties" xmlns:ns2="fc36ba27-577a-4cf7-85a7-ffa139955d90" xmlns:ns3="c3db7926-add9-4beb-a254-75a5b4de93b0" targetNamespace="http://schemas.microsoft.com/office/2006/metadata/properties" ma:root="true" ma:fieldsID="4eb1d2923da68e8db0b98d8ea7c3f3e9" ns2:_="" ns3:_="">
-    <xsd:import namespace="fc36ba27-577a-4cf7-85a7-ffa139955d90"/>
-    <xsd:import namespace="c3db7926-add9-4beb-a254-75a5b4de93b0"/>
+<ct:contentTypeSchema xmlns:ct="http://schemas.microsoft.com/office/2006/metadata/contentType" xmlns:ma="http://schemas.microsoft.com/office/2006/metadata/properties/metaAttributes" ct:_="" ma:_="" ma:contentTypeName="Document" ma:contentTypeID="0x0101009751B041C886E142A4CB6BC50AABCCA6" ma:contentTypeVersion="13" ma:contentTypeDescription="Create a new document." ma:contentTypeScope="" ma:versionID="ae8447eb39958e733236cd72149919b1">
+  <xsd:schema xmlns:xsd="http://www.w3.org/2001/XMLSchema" xmlns:xs="http://www.w3.org/2001/XMLSchema" xmlns:p="http://schemas.microsoft.com/office/2006/metadata/properties" xmlns:ns3="4f41ae97-5a6c-4458-bb1f-235b5f3b5d68" xmlns:ns4="8802567b-aa87-48e0-ac05-b6cac22ca2ed" targetNamespace="http://schemas.microsoft.com/office/2006/metadata/properties" ma:root="true" ma:fieldsID="aac98df62b6e875c010c3475f39038b6" ns3:_="" ns4:_="">
+    <xsd:import namespace="4f41ae97-5a6c-4458-bb1f-235b5f3b5d68"/>
+    <xsd:import namespace="8802567b-aa87-48e0-ac05-b6cac22ca2ed"/>
     <xsd:element name="properties">
       <xsd:complexType>
         <xsd:sequence>
           <xsd:element name="documentManagement">
             <xsd:complexType>
               <xsd:all>
-                <xsd:element ref="ns2:MediaServiceMetadata" minOccurs="0"/>
-                <xsd:element ref="ns2:MediaServiceFastMetadata" minOccurs="0"/>
-                <xsd:element ref="ns2:MediaServiceAutoKeyPoints" minOccurs="0"/>
-                <xsd:element ref="ns2:MediaServiceKeyPoints" minOccurs="0"/>
-                <xsd:element ref="ns2:MediaServiceAutoTags" minOccurs="0"/>
-                <xsd:element ref="ns2:MediaServiceGenerationTime" minOccurs="0"/>
-                <xsd:element ref="ns2:MediaServiceEventHashCode" minOccurs="0"/>
-                <xsd:element ref="ns2:MediaServiceOCR" minOccurs="0"/>
-                <xsd:element ref="ns2:MediaServiceDateTaken" minOccurs="0"/>
-                <xsd:element ref="ns2:MediaLengthInSeconds" minOccurs="0"/>
-                <xsd:element ref="ns2:lcf76f155ced4ddcb4097134ff3c332f" minOccurs="0"/>
-                <xsd:element ref="ns2:MediaServiceObjectDetectorVersions" minOccurs="0"/>
-                <xsd:element ref="ns2:MediaServiceSearchProperties" minOccurs="0"/>
-                <xsd:element ref="ns3:SharedWithUsers" minOccurs="0"/>
-                <xsd:element ref="ns3:SharedWithDetails" minOccurs="0"/>
+                <xsd:element ref="ns3:_activity" minOccurs="0"/>
+                <xsd:element ref="ns4:SharedWithUsers" minOccurs="0"/>
+                <xsd:element ref="ns4:SharedWithDetails" minOccurs="0"/>
+                <xsd:element ref="ns4:SharingHintHash" minOccurs="0"/>
+                <xsd:element ref="ns3:MediaServiceMetadata" minOccurs="0"/>
+                <xsd:element ref="ns3:MediaServiceFastMetadata" minOccurs="0"/>
+                <xsd:element ref="ns3:MediaServiceSearchProperties" minOccurs="0"/>
+                <xsd:element ref="ns3:MediaServiceObjectDetectorVersions" minOccurs="0"/>
+                <xsd:element ref="ns3:MediaServiceGenerationTime" minOccurs="0"/>
+                <xsd:element ref="ns3:MediaServiceEventHashCode" minOccurs="0"/>
+                <xsd:element ref="ns3:MediaServiceSystemTags" minOccurs="0"/>
+                <xsd:element ref="ns3:MediaServiceOCR" minOccurs="0"/>
+                <xsd:element ref="ns3:MediaServiceDateTaken" minOccurs="0"/>
               </xsd:all>
             </xsd:complexType>
           </xsd:element>
@@ -8774,85 +8899,66 @@
       </xsd:complexType>
     </xsd:element>
   </xsd:schema>
-  <xsd:schema xmlns:xsd="http://www.w3.org/2001/XMLSchema" xmlns:xs="http://www.w3.org/2001/XMLSchema" xmlns:dms="http://schemas.microsoft.com/office/2006/documentManagement/types" xmlns:pc="http://schemas.microsoft.com/office/infopath/2007/PartnerControls" targetNamespace="fc36ba27-577a-4cf7-85a7-ffa139955d90" elementFormDefault="qualified">
+  <xsd:schema xmlns:xsd="http://www.w3.org/2001/XMLSchema" xmlns:xs="http://www.w3.org/2001/XMLSchema" xmlns:dms="http://schemas.microsoft.com/office/2006/documentManagement/types" xmlns:pc="http://schemas.microsoft.com/office/infopath/2007/PartnerControls" targetNamespace="4f41ae97-5a6c-4458-bb1f-235b5f3b5d68" elementFormDefault="qualified">
     <xsd:import namespace="http://schemas.microsoft.com/office/2006/documentManagement/types"/>
     <xsd:import namespace="http://schemas.microsoft.com/office/infopath/2007/PartnerControls"/>
-    <xsd:element name="MediaServiceMetadata" ma:index="8" nillable="true" ma:displayName="MediaServiceMetadata" ma:hidden="true" ma:internalName="MediaServiceMetadata" ma:readOnly="true">
+    <xsd:element name="_activity" ma:index="8" nillable="true" ma:displayName="_activity" ma:hidden="true" ma:internalName="_activity">
       <xsd:simpleType>
         <xsd:restriction base="dms:Note"/>
       </xsd:simpleType>
     </xsd:element>
-    <xsd:element name="MediaServiceFastMetadata" ma:index="9" nillable="true" ma:displayName="MediaServiceFastMetadata" ma:hidden="true" ma:internalName="MediaServiceFastMetadata" ma:readOnly="true">
+    <xsd:element name="MediaServiceMetadata" ma:index="12" nillable="true" ma:displayName="MediaServiceMetadata" ma:hidden="true" ma:internalName="MediaServiceMetadata" ma:readOnly="true">
       <xsd:simpleType>
         <xsd:restriction base="dms:Note"/>
       </xsd:simpleType>
     </xsd:element>
-    <xsd:element name="MediaServiceAutoKeyPoints" ma:index="10" nillable="true" ma:displayName="MediaServiceAutoKeyPoints" ma:hidden="true" ma:internalName="MediaServiceAutoKeyPoints" ma:readOnly="true">
+    <xsd:element name="MediaServiceFastMetadata" ma:index="13" nillable="true" ma:displayName="MediaServiceFastMetadata" ma:hidden="true" ma:internalName="MediaServiceFastMetadata" ma:readOnly="true">
       <xsd:simpleType>
         <xsd:restriction base="dms:Note"/>
       </xsd:simpleType>
     </xsd:element>
-    <xsd:element name="MediaServiceKeyPoints" ma:index="11" nillable="true" ma:displayName="KeyPoints" ma:internalName="MediaServiceKeyPoints" ma:readOnly="true">
+    <xsd:element name="MediaServiceSearchProperties" ma:index="14" nillable="true" ma:displayName="MediaServiceSearchProperties" ma:hidden="true" ma:internalName="MediaServiceSearchProperties" ma:readOnly="true">
+      <xsd:simpleType>
+        <xsd:restriction base="dms:Note"/>
+      </xsd:simpleType>
+    </xsd:element>
+    <xsd:element name="MediaServiceObjectDetectorVersions" ma:index="15" nillable="true" ma:displayName="MediaServiceObjectDetectorVersions" ma:hidden="true" ma:indexed="true" ma:internalName="MediaServiceObjectDetectorVersions" ma:readOnly="true">
+      <xsd:simpleType>
+        <xsd:restriction base="dms:Text"/>
+      </xsd:simpleType>
+    </xsd:element>
+    <xsd:element name="MediaServiceGenerationTime" ma:index="16" nillable="true" ma:displayName="MediaServiceGenerationTime" ma:hidden="true" ma:internalName="MediaServiceGenerationTime" ma:readOnly="true">
+      <xsd:simpleType>
+        <xsd:restriction base="dms:Text"/>
+      </xsd:simpleType>
+    </xsd:element>
+    <xsd:element name="MediaServiceEventHashCode" ma:index="17" nillable="true" ma:displayName="MediaServiceEventHashCode" ma:hidden="true" ma:internalName="MediaServiceEventHashCode" ma:readOnly="true">
+      <xsd:simpleType>
+        <xsd:restriction base="dms:Text"/>
+      </xsd:simpleType>
+    </xsd:element>
+    <xsd:element name="MediaServiceSystemTags" ma:index="18" nillable="true" ma:displayName="MediaServiceSystemTags" ma:hidden="true" ma:internalName="MediaServiceSystemTags" ma:readOnly="true">
+      <xsd:simpleType>
+        <xsd:restriction base="dms:Note"/>
+      </xsd:simpleType>
+    </xsd:element>
+    <xsd:element name="MediaServiceOCR" ma:index="19" nillable="true" ma:displayName="Extracted Text" ma:internalName="MediaServiceOCR" ma:readOnly="true">
       <xsd:simpleType>
         <xsd:restriction base="dms:Note">
           <xsd:maxLength value="255"/>
         </xsd:restriction>
       </xsd:simpleType>
     </xsd:element>
-    <xsd:element name="MediaServiceAutoTags" ma:index="12" nillable="true" ma:displayName="Tags" ma:internalName="MediaServiceAutoTags" ma:readOnly="true">
+    <xsd:element name="MediaServiceDateTaken" ma:index="20" nillable="true" ma:displayName="MediaServiceDateTaken" ma:hidden="true" ma:indexed="true" ma:internalName="MediaServiceDateTaken" ma:readOnly="true">
       <xsd:simpleType>
         <xsd:restriction base="dms:Text"/>
       </xsd:simpleType>
     </xsd:element>
-    <xsd:element name="MediaServiceGenerationTime" ma:index="13" nillable="true" ma:displayName="MediaServiceGenerationTime" ma:hidden="true" ma:internalName="MediaServiceGenerationTime" ma:readOnly="true">
-      <xsd:simpleType>
-        <xsd:restriction base="dms:Text"/>
-      </xsd:simpleType>
-    </xsd:element>
-    <xsd:element name="MediaServiceEventHashCode" ma:index="14" nillable="true" ma:displayName="MediaServiceEventHashCode" ma:hidden="true" ma:internalName="MediaServiceEventHashCode" ma:readOnly="true">
-      <xsd:simpleType>
-        <xsd:restriction base="dms:Text"/>
-      </xsd:simpleType>
-    </xsd:element>
-    <xsd:element name="MediaServiceOCR" ma:index="15" nillable="true" ma:displayName="Extracted Text" ma:internalName="MediaServiceOCR" ma:readOnly="true">
-      <xsd:simpleType>
-        <xsd:restriction base="dms:Note">
-          <xsd:maxLength value="255"/>
-        </xsd:restriction>
-      </xsd:simpleType>
-    </xsd:element>
-    <xsd:element name="MediaServiceDateTaken" ma:index="16" nillable="true" ma:displayName="MediaServiceDateTaken" ma:hidden="true" ma:internalName="MediaServiceDateTaken" ma:readOnly="true">
-      <xsd:simpleType>
-        <xsd:restriction base="dms:Text"/>
-      </xsd:simpleType>
-    </xsd:element>
-    <xsd:element name="MediaLengthInSeconds" ma:index="17" nillable="true" ma:displayName="MediaLengthInSeconds" ma:hidden="true" ma:internalName="MediaLengthInSeconds" ma:readOnly="true">
-      <xsd:simpleType>
-        <xsd:restriction base="dms:Unknown"/>
-      </xsd:simpleType>
-    </xsd:element>
-    <xsd:element name="lcf76f155ced4ddcb4097134ff3c332f" ma:index="19" nillable="true" ma:taxonomy="true" ma:internalName="lcf76f155ced4ddcb4097134ff3c332f" ma:taxonomyFieldName="MediaServiceImageTags" ma:displayName="Image Tags" ma:readOnly="false" ma:fieldId="{5cf76f15-5ced-4ddc-b409-7134ff3c332f}" ma:taxonomyMulti="true" ma:sspId="9c592f6e-9db9-49f2-9f9e-7d6ee315dce4" ma:termSetId="09814cd3-568e-fe90-9814-8d621ff8fb84" ma:anchorId="fba54fb3-c3e1-fe81-a776-ca4b69148c4d" ma:open="true" ma:isKeyword="false">
-      <xsd:complexType>
-        <xsd:sequence>
-          <xsd:element ref="pc:Terms" minOccurs="0" maxOccurs="1"/>
-        </xsd:sequence>
-      </xsd:complexType>
-    </xsd:element>
-    <xsd:element name="MediaServiceObjectDetectorVersions" ma:index="20" nillable="true" ma:displayName="MediaServiceObjectDetectorVersions" ma:hidden="true" ma:indexed="true" ma:internalName="MediaServiceObjectDetectorVersions" ma:readOnly="true">
-      <xsd:simpleType>
-        <xsd:restriction base="dms:Text"/>
-      </xsd:simpleType>
-    </xsd:element>
-    <xsd:element name="MediaServiceSearchProperties" ma:index="21" nillable="true" ma:displayName="MediaServiceSearchProperties" ma:hidden="true" ma:internalName="MediaServiceSearchProperties" ma:readOnly="true">
-      <xsd:simpleType>
-        <xsd:restriction base="dms:Note"/>
-      </xsd:simpleType>
-    </xsd:element>
   </xsd:schema>
-  <xsd:schema xmlns:xsd="http://www.w3.org/2001/XMLSchema" xmlns:xs="http://www.w3.org/2001/XMLSchema" xmlns:dms="http://schemas.microsoft.com/office/2006/documentManagement/types" xmlns:pc="http://schemas.microsoft.com/office/infopath/2007/PartnerControls" targetNamespace="c3db7926-add9-4beb-a254-75a5b4de93b0" elementFormDefault="qualified">
+  <xsd:schema xmlns:xsd="http://www.w3.org/2001/XMLSchema" xmlns:xs="http://www.w3.org/2001/XMLSchema" xmlns:dms="http://schemas.microsoft.com/office/2006/documentManagement/types" xmlns:pc="http://schemas.microsoft.com/office/infopath/2007/PartnerControls" targetNamespace="8802567b-aa87-48e0-ac05-b6cac22ca2ed" elementFormDefault="qualified">
     <xsd:import namespace="http://schemas.microsoft.com/office/2006/documentManagement/types"/>
     <xsd:import namespace="http://schemas.microsoft.com/office/infopath/2007/PartnerControls"/>
-    <xsd:element name="SharedWithUsers" ma:index="22" nillable="true" ma:displayName="Shared With" ma:internalName="SharedWithUsers" ma:readOnly="true">
+    <xsd:element name="SharedWithUsers" ma:index="9" nillable="true" ma:displayName="Shared With" ma:internalName="SharedWithUsers" ma:readOnly="true">
       <xsd:complexType>
         <xsd:complexContent>
           <xsd:extension base="dms:UserMulti">
@@ -8871,11 +8977,16 @@
         </xsd:complexContent>
       </xsd:complexType>
     </xsd:element>
-    <xsd:element name="SharedWithDetails" ma:index="23" nillable="true" ma:displayName="Shared With Details" ma:internalName="SharedWithDetails" ma:readOnly="true">
+    <xsd:element name="SharedWithDetails" ma:index="10" nillable="true" ma:displayName="Shared With Details" ma:internalName="SharedWithDetails" ma:readOnly="true">
       <xsd:simpleType>
         <xsd:restriction base="dms:Note">
           <xsd:maxLength value="255"/>
         </xsd:restriction>
+      </xsd:simpleType>
+    </xsd:element>
+    <xsd:element name="SharingHintHash" ma:index="11" nillable="true" ma:displayName="Sharing Hint Hash" ma:hidden="true" ma:internalName="SharingHintHash" ma:readOnly="true">
+      <xsd:simpleType>
+        <xsd:restriction base="dms:Text"/>
       </xsd:simpleType>
     </xsd:element>
   </xsd:schema>
@@ -8981,16 +9092,16 @@
 <file path=customXml/itemProps1.xml><?xml version="1.0" encoding="utf-8"?>
 <ds:datastoreItem xmlns:ds="http://schemas.openxmlformats.org/officeDocument/2006/customXml" ds:itemID="{C3D6C4CD-CFA3-41A1-A9D1-BFAF122A51A5}">
   <ds:schemaRefs>
+    <ds:schemaRef ds:uri="http://purl.org/dc/elements/1.1/"/>
     <ds:schemaRef ds:uri="http://purl.org/dc/terms/"/>
+    <ds:schemaRef ds:uri="4f41ae97-5a6c-4458-bb1f-235b5f3b5d68"/>
     <ds:schemaRef ds:uri="http://purl.org/dc/dcmitype/"/>
-    <ds:schemaRef ds:uri="http://purl.org/dc/elements/1.1/"/>
+    <ds:schemaRef ds:uri="http://schemas.openxmlformats.org/package/2006/metadata/core-properties"/>
+    <ds:schemaRef ds:uri="http://www.w3.org/XML/1998/namespace"/>
+    <ds:schemaRef ds:uri="http://schemas.microsoft.com/office/2006/documentManagement/types"/>
     <ds:schemaRef ds:uri="http://schemas.microsoft.com/office/infopath/2007/PartnerControls"/>
-    <ds:schemaRef ds:uri="http://schemas.openxmlformats.org/package/2006/metadata/core-properties"/>
-    <ds:schemaRef ds:uri="http://schemas.microsoft.com/office/2006/documentManagement/types"/>
+    <ds:schemaRef ds:uri="8802567b-aa87-48e0-ac05-b6cac22ca2ed"/>
     <ds:schemaRef ds:uri="http://schemas.microsoft.com/office/2006/metadata/properties"/>
-    <ds:schemaRef ds:uri="c3db7926-add9-4beb-a254-75a5b4de93b0"/>
-    <ds:schemaRef ds:uri="fc36ba27-577a-4cf7-85a7-ffa139955d90"/>
-    <ds:schemaRef ds:uri="http://www.w3.org/XML/1998/namespace"/>
   </ds:schemaRefs>
 </ds:datastoreItem>
 </file>
@@ -9004,14 +9115,14 @@
 </file>
 
 <file path=customXml/itemProps3.xml><?xml version="1.0" encoding="utf-8"?>
-<ds:datastoreItem xmlns:ds="http://schemas.openxmlformats.org/officeDocument/2006/customXml" ds:itemID="{1F6B1DF0-A52A-40B5-B285-0AE80744836E}">
+<ds:datastoreItem xmlns:ds="http://schemas.openxmlformats.org/officeDocument/2006/customXml" ds:itemID="{8774136C-BD9E-4C16-A065-F64F959C2ED0}">
   <ds:schemaRefs>
     <ds:schemaRef ds:uri="http://schemas.microsoft.com/office/2006/metadata/contentType"/>
     <ds:schemaRef ds:uri="http://schemas.microsoft.com/office/2006/metadata/properties/metaAttributes"/>
     <ds:schemaRef ds:uri="http://www.w3.org/2001/XMLSchema"/>
     <ds:schemaRef ds:uri="http://schemas.microsoft.com/office/2006/metadata/properties"/>
-    <ds:schemaRef ds:uri="fc36ba27-577a-4cf7-85a7-ffa139955d90"/>
-    <ds:schemaRef ds:uri="c3db7926-add9-4beb-a254-75a5b4de93b0"/>
+    <ds:schemaRef ds:uri="4f41ae97-5a6c-4458-bb1f-235b5f3b5d68"/>
+    <ds:schemaRef ds:uri="8802567b-aa87-48e0-ac05-b6cac22ca2ed"/>
     <ds:schemaRef ds:uri="http://schemas.microsoft.com/office/2006/documentManagement/types"/>
     <ds:schemaRef ds:uri="http://schemas.microsoft.com/office/infopath/2007/PartnerControls"/>
     <ds:schemaRef ds:uri="http://schemas.openxmlformats.org/package/2006/metadata/core-properties"/>
